--- a/10/images/プレゼンテーション1.pptx
+++ b/10/images/プレゼンテーション1.pptx
@@ -5,18 +5,20 @@
     <p:sldMasterId id="2147483648" r:id="rId1"/>
   </p:sldMasterIdLst>
   <p:notesMasterIdLst>
-    <p:notesMasterId r:id="rId11"/>
+    <p:notesMasterId r:id="rId13"/>
   </p:notesMasterIdLst>
   <p:sldIdLst>
     <p:sldId id="256" r:id="rId2"/>
-    <p:sldId id="257" r:id="rId3"/>
-    <p:sldId id="259" r:id="rId4"/>
-    <p:sldId id="260" r:id="rId5"/>
-    <p:sldId id="266" r:id="rId6"/>
-    <p:sldId id="261" r:id="rId7"/>
-    <p:sldId id="262" r:id="rId8"/>
-    <p:sldId id="263" r:id="rId9"/>
-    <p:sldId id="265" r:id="rId10"/>
+    <p:sldId id="267" r:id="rId3"/>
+    <p:sldId id="268" r:id="rId4"/>
+    <p:sldId id="257" r:id="rId5"/>
+    <p:sldId id="259" r:id="rId6"/>
+    <p:sldId id="260" r:id="rId7"/>
+    <p:sldId id="266" r:id="rId8"/>
+    <p:sldId id="261" r:id="rId9"/>
+    <p:sldId id="262" r:id="rId10"/>
+    <p:sldId id="263" r:id="rId11"/>
+    <p:sldId id="265" r:id="rId12"/>
   </p:sldIdLst>
   <p:sldSz cx="12192000" cy="6858000"/>
   <p:notesSz cx="6858000" cy="9144000"/>
@@ -115,6 +117,11 @@
       </a:defRPr>
     </a:lvl9pPr>
   </p:defaultTextStyle>
+  <p:extLst>
+    <p:ext uri="{EFAFB233-063F-42B5-8137-9DF3F51BA10A}">
+      <p15:sldGuideLst xmlns:p15="http://schemas.microsoft.com/office/powerpoint/2012/main"/>
+    </p:ext>
+  </p:extLst>
 </p:presentation>
 </file>
 
@@ -564,7 +571,7 @@
           <a:p>
             <a:fld id="{7602491C-1C02-9E4E-BB70-388EA268EDCB}" type="slidenum">
               <a:rPr kumimoji="1" lang="ja-JP" altLang="en-US" smtClean="0"/>
-              <a:t>3</a:t>
+              <a:t>5</a:t>
             </a:fld>
             <a:endParaRPr kumimoji="1" lang="ja-JP" altLang="en-US"/>
           </a:p>
@@ -730,7 +737,7 @@
           <a:p>
             <a:fld id="{2E0D8C9A-FBDC-C84F-80DF-4E0DE73F20B1}" type="datetimeFigureOut">
               <a:rPr kumimoji="1" lang="ja-JP" altLang="en-US" smtClean="0"/>
-              <a:t>2026/1/1</a:t>
+              <a:t>2026/1/2</a:t>
             </a:fld>
             <a:endParaRPr kumimoji="1" lang="ja-JP" altLang="en-US"/>
           </a:p>
@@ -960,7 +967,7 @@
           <a:p>
             <a:fld id="{2E0D8C9A-FBDC-C84F-80DF-4E0DE73F20B1}" type="datetimeFigureOut">
               <a:rPr kumimoji="1" lang="ja-JP" altLang="en-US" smtClean="0"/>
-              <a:t>2026/1/1</a:t>
+              <a:t>2026/1/2</a:t>
             </a:fld>
             <a:endParaRPr kumimoji="1" lang="ja-JP" altLang="en-US"/>
           </a:p>
@@ -1200,7 +1207,7 @@
           <a:p>
             <a:fld id="{2E0D8C9A-FBDC-C84F-80DF-4E0DE73F20B1}" type="datetimeFigureOut">
               <a:rPr kumimoji="1" lang="ja-JP" altLang="en-US" smtClean="0"/>
-              <a:t>2026/1/1</a:t>
+              <a:t>2026/1/2</a:t>
             </a:fld>
             <a:endParaRPr kumimoji="1" lang="ja-JP" altLang="en-US"/>
           </a:p>
@@ -1430,7 +1437,7 @@
           <a:p>
             <a:fld id="{2E0D8C9A-FBDC-C84F-80DF-4E0DE73F20B1}" type="datetimeFigureOut">
               <a:rPr kumimoji="1" lang="ja-JP" altLang="en-US" smtClean="0"/>
-              <a:t>2026/1/1</a:t>
+              <a:t>2026/1/2</a:t>
             </a:fld>
             <a:endParaRPr kumimoji="1" lang="ja-JP" altLang="en-US"/>
           </a:p>
@@ -1705,7 +1712,7 @@
           <a:p>
             <a:fld id="{2E0D8C9A-FBDC-C84F-80DF-4E0DE73F20B1}" type="datetimeFigureOut">
               <a:rPr kumimoji="1" lang="ja-JP" altLang="en-US" smtClean="0"/>
-              <a:t>2026/1/1</a:t>
+              <a:t>2026/1/2</a:t>
             </a:fld>
             <a:endParaRPr kumimoji="1" lang="ja-JP" altLang="en-US"/>
           </a:p>
@@ -2034,7 +2041,7 @@
           <a:p>
             <a:fld id="{2E0D8C9A-FBDC-C84F-80DF-4E0DE73F20B1}" type="datetimeFigureOut">
               <a:rPr kumimoji="1" lang="ja-JP" altLang="en-US" smtClean="0"/>
-              <a:t>2026/1/1</a:t>
+              <a:t>2026/1/2</a:t>
             </a:fld>
             <a:endParaRPr kumimoji="1" lang="ja-JP" altLang="en-US"/>
           </a:p>
@@ -2510,7 +2517,7 @@
           <a:p>
             <a:fld id="{2E0D8C9A-FBDC-C84F-80DF-4E0DE73F20B1}" type="datetimeFigureOut">
               <a:rPr kumimoji="1" lang="ja-JP" altLang="en-US" smtClean="0"/>
-              <a:t>2026/1/1</a:t>
+              <a:t>2026/1/2</a:t>
             </a:fld>
             <a:endParaRPr kumimoji="1" lang="ja-JP" altLang="en-US"/>
           </a:p>
@@ -2651,7 +2658,7 @@
           <a:p>
             <a:fld id="{2E0D8C9A-FBDC-C84F-80DF-4E0DE73F20B1}" type="datetimeFigureOut">
               <a:rPr kumimoji="1" lang="ja-JP" altLang="en-US" smtClean="0"/>
-              <a:t>2026/1/1</a:t>
+              <a:t>2026/1/2</a:t>
             </a:fld>
             <a:endParaRPr kumimoji="1" lang="ja-JP" altLang="en-US"/>
           </a:p>
@@ -2764,7 +2771,7 @@
           <a:p>
             <a:fld id="{2E0D8C9A-FBDC-C84F-80DF-4E0DE73F20B1}" type="datetimeFigureOut">
               <a:rPr kumimoji="1" lang="ja-JP" altLang="en-US" smtClean="0"/>
-              <a:t>2026/1/1</a:t>
+              <a:t>2026/1/2</a:t>
             </a:fld>
             <a:endParaRPr kumimoji="1" lang="ja-JP" altLang="en-US"/>
           </a:p>
@@ -3107,7 +3114,7 @@
           <a:p>
             <a:fld id="{2E0D8C9A-FBDC-C84F-80DF-4E0DE73F20B1}" type="datetimeFigureOut">
               <a:rPr kumimoji="1" lang="ja-JP" altLang="en-US" smtClean="0"/>
-              <a:t>2026/1/1</a:t>
+              <a:t>2026/1/2</a:t>
             </a:fld>
             <a:endParaRPr kumimoji="1" lang="ja-JP" altLang="en-US"/>
           </a:p>
@@ -3395,7 +3402,7 @@
           <a:p>
             <a:fld id="{2E0D8C9A-FBDC-C84F-80DF-4E0DE73F20B1}" type="datetimeFigureOut">
               <a:rPr kumimoji="1" lang="ja-JP" altLang="en-US" smtClean="0"/>
-              <a:t>2026/1/1</a:t>
+              <a:t>2026/1/2</a:t>
             </a:fld>
             <a:endParaRPr kumimoji="1" lang="ja-JP" altLang="en-US"/>
           </a:p>
@@ -3668,7 +3675,7 @@
           <a:p>
             <a:fld id="{2E0D8C9A-FBDC-C84F-80DF-4E0DE73F20B1}" type="datetimeFigureOut">
               <a:rPr kumimoji="1" lang="ja-JP" altLang="en-US" smtClean="0"/>
-              <a:t>2026/1/1</a:t>
+              <a:t>2026/1/2</a:t>
             </a:fld>
             <a:endParaRPr kumimoji="1" lang="ja-JP" altLang="en-US"/>
           </a:p>
@@ -4236,7 +4243,1357 @@
 </p:sld>
 </file>
 
+<file path=ppt/slides/slide10.xml><?xml version="1.0" encoding="utf-8"?>
+<p:sld xmlns:a="http://schemas.openxmlformats.org/drawingml/2006/main" xmlns:r="http://schemas.openxmlformats.org/officeDocument/2006/relationships" xmlns:p="http://schemas.openxmlformats.org/presentationml/2006/main">
+  <p:cSld>
+    <p:spTree>
+      <p:nvGrpSpPr>
+        <p:cNvPr id="1" name="">
+          <a:extLst>
+            <a:ext uri="{FF2B5EF4-FFF2-40B4-BE49-F238E27FC236}">
+              <a16:creationId xmlns:a16="http://schemas.microsoft.com/office/drawing/2014/main" id="{0143A7D5-CB55-179D-E8FC-08B454296412}"/>
+            </a:ext>
+          </a:extLst>
+        </p:cNvPr>
+        <p:cNvGrpSpPr/>
+        <p:nvPr/>
+      </p:nvGrpSpPr>
+      <p:grpSpPr>
+        <a:xfrm>
+          <a:off x="0" y="0"/>
+          <a:ext cx="0" cy="0"/>
+          <a:chOff x="0" y="0"/>
+          <a:chExt cx="0" cy="0"/>
+        </a:xfrm>
+      </p:grpSpPr>
+      <p:pic>
+        <p:nvPicPr>
+          <p:cNvPr id="11" name="図 10">
+            <a:extLst>
+              <a:ext uri="{FF2B5EF4-FFF2-40B4-BE49-F238E27FC236}">
+                <a16:creationId xmlns:a16="http://schemas.microsoft.com/office/drawing/2014/main" id="{8C6294C4-8F53-CE41-5749-644ABA4B6185}"/>
+              </a:ext>
+            </a:extLst>
+          </p:cNvPr>
+          <p:cNvPicPr>
+            <a:picLocks noChangeAspect="1"/>
+          </p:cNvPicPr>
+          <p:nvPr/>
+        </p:nvPicPr>
+        <p:blipFill>
+          <a:blip r:embed="rId2"/>
+          <a:stretch>
+            <a:fillRect/>
+          </a:stretch>
+        </p:blipFill>
+        <p:spPr>
+          <a:xfrm>
+            <a:off x="315468" y="793571"/>
+            <a:ext cx="11071780" cy="1149529"/>
+          </a:xfrm>
+          <a:prstGeom prst="rect">
+            <a:avLst/>
+          </a:prstGeom>
+        </p:spPr>
+      </p:pic>
+      <p:sp>
+        <p:nvSpPr>
+          <p:cNvPr id="2" name="正方形/長方形 1">
+            <a:extLst>
+              <a:ext uri="{FF2B5EF4-FFF2-40B4-BE49-F238E27FC236}">
+                <a16:creationId xmlns:a16="http://schemas.microsoft.com/office/drawing/2014/main" id="{4ADD00A2-636C-17C1-31D5-AD0A721CEFAC}"/>
+              </a:ext>
+            </a:extLst>
+          </p:cNvPr>
+          <p:cNvSpPr/>
+          <p:nvPr/>
+        </p:nvSpPr>
+        <p:spPr>
+          <a:xfrm>
+            <a:off x="5943600" y="806271"/>
+            <a:ext cx="5156200" cy="387529"/>
+          </a:xfrm>
+          <a:prstGeom prst="rect">
+            <a:avLst/>
+          </a:prstGeom>
+          <a:solidFill>
+            <a:schemeClr val="bg1"/>
+          </a:solidFill>
+          <a:ln>
+            <a:solidFill>
+              <a:schemeClr val="bg1"/>
+            </a:solidFill>
+          </a:ln>
+        </p:spPr>
+        <p:style>
+          <a:lnRef idx="2">
+            <a:schemeClr val="accent1">
+              <a:shade val="15000"/>
+            </a:schemeClr>
+          </a:lnRef>
+          <a:fillRef idx="1">
+            <a:schemeClr val="accent1"/>
+          </a:fillRef>
+          <a:effectRef idx="0">
+            <a:schemeClr val="accent1"/>
+          </a:effectRef>
+          <a:fontRef idx="minor">
+            <a:schemeClr val="lt1"/>
+          </a:fontRef>
+        </p:style>
+        <p:txBody>
+          <a:bodyPr rtlCol="0" anchor="ctr"/>
+          <a:lstStyle/>
+          <a:p>
+            <a:pPr algn="ctr"/>
+            <a:endParaRPr kumimoji="1" lang="ja-JP" altLang="en-US"/>
+          </a:p>
+        </p:txBody>
+      </p:sp>
+      <p:sp>
+        <p:nvSpPr>
+          <p:cNvPr id="3" name="テキスト ボックス 2">
+            <a:extLst>
+              <a:ext uri="{FF2B5EF4-FFF2-40B4-BE49-F238E27FC236}">
+                <a16:creationId xmlns:a16="http://schemas.microsoft.com/office/drawing/2014/main" id="{76C76E88-715A-B359-F8B3-B7F381B9DDB3}"/>
+              </a:ext>
+            </a:extLst>
+          </p:cNvPr>
+          <p:cNvSpPr txBox="1"/>
+          <p:nvPr/>
+        </p:nvSpPr>
+        <p:spPr>
+          <a:xfrm>
+            <a:off x="1308100" y="2463800"/>
+            <a:ext cx="6186309" cy="2123658"/>
+          </a:xfrm>
+          <a:prstGeom prst="rect">
+            <a:avLst/>
+          </a:prstGeom>
+          <a:noFill/>
+        </p:spPr>
+        <p:txBody>
+          <a:bodyPr wrap="none" rtlCol="0">
+            <a:spAutoFit/>
+          </a:bodyPr>
+          <a:lstStyle/>
+          <a:p>
+            <a:r>
+              <a:rPr lang="en-US" altLang="ja-JP" b="1" dirty="0">
+                <a:solidFill>
+                  <a:srgbClr val="0070C0"/>
+                </a:solidFill>
+              </a:rPr>
+              <a:t>Excel</a:t>
+            </a:r>
+            <a:r>
+              <a:rPr lang="ja-JP" altLang="en-US" b="1">
+                <a:solidFill>
+                  <a:srgbClr val="0070C0"/>
+                </a:solidFill>
+              </a:rPr>
+              <a:t>の次の値をセルに入れましょう</a:t>
+            </a:r>
+            <a:endParaRPr lang="en-US" altLang="ja-JP" b="1" dirty="0">
+              <a:solidFill>
+                <a:srgbClr val="0070C0"/>
+              </a:solidFill>
+            </a:endParaRPr>
+          </a:p>
+          <a:p>
+            <a:pPr>
+              <a:tabLst>
+                <a:tab pos="1816100" algn="l"/>
+              </a:tabLst>
+            </a:pPr>
+            <a:r>
+              <a:rPr lang="ja-JP" altLang="en-US" b="1"/>
+              <a:t>・有意水準</a:t>
+            </a:r>
+            <a:r>
+              <a:rPr lang="en-US" altLang="ja-JP" dirty="0"/>
+              <a:t>	</a:t>
+            </a:r>
+            <a:r>
+              <a:rPr lang="en-US" altLang="ja-JP" b="1" dirty="0"/>
+              <a:t>0.05</a:t>
+            </a:r>
+            <a:endParaRPr lang="ja-JP" altLang="en-US" b="1"/>
+          </a:p>
+          <a:p>
+            <a:endParaRPr lang="en-US" altLang="ja-JP" dirty="0"/>
+          </a:p>
+          <a:p>
+            <a:r>
+              <a:rPr lang="en-US" altLang="ja-JP" dirty="0"/>
+              <a:t>p</a:t>
+            </a:r>
+            <a:r>
+              <a:rPr lang="ja-JP" altLang="en-US"/>
+              <a:t>値 と 有意水準を </a:t>
+            </a:r>
+            <a:r>
+              <a:rPr lang="ja-JP" altLang="en-US" sz="2000" b="1"/>
+              <a:t>比較</a:t>
+            </a:r>
+            <a:endParaRPr lang="ja-JP" altLang="en-US" b="1"/>
+          </a:p>
+          <a:p>
+            <a:r>
+              <a:rPr lang="ja-JP" altLang="en-US"/>
+              <a:t>判断文を </a:t>
+            </a:r>
+            <a:r>
+              <a:rPr lang="ja-JP" altLang="en-US" sz="2000" b="1"/>
+              <a:t>自分の言葉で完成</a:t>
+            </a:r>
+            <a:r>
+              <a:rPr lang="ja-JP" altLang="en-US" sz="2000"/>
+              <a:t>させましょう</a:t>
+            </a:r>
+            <a:endParaRPr lang="en-US" altLang="ja-JP" sz="2000" dirty="0"/>
+          </a:p>
+          <a:p>
+            <a:endParaRPr kumimoji="1" lang="en-US" altLang="ja-JP" sz="2000" dirty="0"/>
+          </a:p>
+          <a:p>
+            <a:r>
+              <a:rPr lang="ja-JP" altLang="en-US"/>
+              <a:t>仮定した結果がほとんど起きないなら、その仮定を疑う。</a:t>
+            </a:r>
+            <a:endParaRPr kumimoji="1" lang="en-US" altLang="ja-JP" dirty="0"/>
+          </a:p>
+        </p:txBody>
+      </p:sp>
+      <p:sp>
+        <p:nvSpPr>
+          <p:cNvPr id="6" name="テキスト ボックス 5">
+            <a:extLst>
+              <a:ext uri="{FF2B5EF4-FFF2-40B4-BE49-F238E27FC236}">
+                <a16:creationId xmlns:a16="http://schemas.microsoft.com/office/drawing/2014/main" id="{7576934F-B4B4-53B8-E740-69F99CD02671}"/>
+              </a:ext>
+            </a:extLst>
+          </p:cNvPr>
+          <p:cNvSpPr txBox="1"/>
+          <p:nvPr/>
+        </p:nvSpPr>
+        <p:spPr>
+          <a:xfrm>
+            <a:off x="315468" y="163889"/>
+            <a:ext cx="5460149" cy="461665"/>
+          </a:xfrm>
+          <a:prstGeom prst="rect">
+            <a:avLst/>
+          </a:prstGeom>
+          <a:noFill/>
+        </p:spPr>
+        <p:txBody>
+          <a:bodyPr wrap="none" rtlCol="0">
+            <a:spAutoFit/>
+          </a:bodyPr>
+          <a:lstStyle/>
+          <a:p>
+            <a:r>
+              <a:rPr lang="en-US" altLang="ja-JP" sz="2400" b="1" dirty="0"/>
+              <a:t>5.</a:t>
+            </a:r>
+            <a:r>
+              <a:rPr lang="ja-JP" altLang="en-US" sz="2400" b="1"/>
+              <a:t> 判断する（初めて有意水準を出す）</a:t>
+            </a:r>
+            <a:endParaRPr kumimoji="1" lang="ja-JP" altLang="en-US" sz="2400" b="1"/>
+          </a:p>
+        </p:txBody>
+      </p:sp>
+    </p:spTree>
+    <p:extLst>
+      <p:ext uri="{BB962C8B-B14F-4D97-AF65-F5344CB8AC3E}">
+        <p14:creationId xmlns:p14="http://schemas.microsoft.com/office/powerpoint/2010/main" val="4247290161"/>
+      </p:ext>
+    </p:extLst>
+  </p:cSld>
+  <p:clrMapOvr>
+    <a:masterClrMapping/>
+  </p:clrMapOvr>
+</p:sld>
+</file>
+
+<file path=ppt/slides/slide11.xml><?xml version="1.0" encoding="utf-8"?>
+<p:sld xmlns:a="http://schemas.openxmlformats.org/drawingml/2006/main" xmlns:r="http://schemas.openxmlformats.org/officeDocument/2006/relationships" xmlns:p="http://schemas.openxmlformats.org/presentationml/2006/main">
+  <p:cSld>
+    <p:spTree>
+      <p:nvGrpSpPr>
+        <p:cNvPr id="1" name="">
+          <a:extLst>
+            <a:ext uri="{FF2B5EF4-FFF2-40B4-BE49-F238E27FC236}">
+              <a16:creationId xmlns:a16="http://schemas.microsoft.com/office/drawing/2014/main" id="{FCA86CA0-7F23-AA72-F29F-1C6540B51AA7}"/>
+            </a:ext>
+          </a:extLst>
+        </p:cNvPr>
+        <p:cNvGrpSpPr/>
+        <p:nvPr/>
+      </p:nvGrpSpPr>
+      <p:grpSpPr>
+        <a:xfrm>
+          <a:off x="0" y="0"/>
+          <a:ext cx="0" cy="0"/>
+          <a:chOff x="0" y="0"/>
+          <a:chExt cx="0" cy="0"/>
+        </a:xfrm>
+      </p:grpSpPr>
+      <p:pic>
+        <p:nvPicPr>
+          <p:cNvPr id="11" name="図 10">
+            <a:extLst>
+              <a:ext uri="{FF2B5EF4-FFF2-40B4-BE49-F238E27FC236}">
+                <a16:creationId xmlns:a16="http://schemas.microsoft.com/office/drawing/2014/main" id="{4D47CB52-19F0-9372-6500-F86C45B54F6B}"/>
+              </a:ext>
+            </a:extLst>
+          </p:cNvPr>
+          <p:cNvPicPr>
+            <a:picLocks noChangeAspect="1"/>
+          </p:cNvPicPr>
+          <p:nvPr/>
+        </p:nvPicPr>
+        <p:blipFill>
+          <a:blip r:embed="rId2"/>
+          <a:stretch>
+            <a:fillRect/>
+          </a:stretch>
+        </p:blipFill>
+        <p:spPr>
+          <a:xfrm>
+            <a:off x="315468" y="793571"/>
+            <a:ext cx="11071780" cy="1149529"/>
+          </a:xfrm>
+          <a:prstGeom prst="rect">
+            <a:avLst/>
+          </a:prstGeom>
+        </p:spPr>
+      </p:pic>
+      <p:sp>
+        <p:nvSpPr>
+          <p:cNvPr id="2" name="正方形/長方形 1">
+            <a:extLst>
+              <a:ext uri="{FF2B5EF4-FFF2-40B4-BE49-F238E27FC236}">
+                <a16:creationId xmlns:a16="http://schemas.microsoft.com/office/drawing/2014/main" id="{6759FAEC-A629-172A-0AA0-E269B82C8191}"/>
+              </a:ext>
+            </a:extLst>
+          </p:cNvPr>
+          <p:cNvSpPr/>
+          <p:nvPr/>
+        </p:nvSpPr>
+        <p:spPr>
+          <a:xfrm>
+            <a:off x="5943600" y="806271"/>
+            <a:ext cx="5156200" cy="387529"/>
+          </a:xfrm>
+          <a:prstGeom prst="rect">
+            <a:avLst/>
+          </a:prstGeom>
+          <a:solidFill>
+            <a:schemeClr val="bg1"/>
+          </a:solidFill>
+          <a:ln>
+            <a:solidFill>
+              <a:schemeClr val="bg1"/>
+            </a:solidFill>
+          </a:ln>
+        </p:spPr>
+        <p:style>
+          <a:lnRef idx="2">
+            <a:schemeClr val="accent1">
+              <a:shade val="15000"/>
+            </a:schemeClr>
+          </a:lnRef>
+          <a:fillRef idx="1">
+            <a:schemeClr val="accent1"/>
+          </a:fillRef>
+          <a:effectRef idx="0">
+            <a:schemeClr val="accent1"/>
+          </a:effectRef>
+          <a:fontRef idx="minor">
+            <a:schemeClr val="lt1"/>
+          </a:fontRef>
+        </p:style>
+        <p:txBody>
+          <a:bodyPr rtlCol="0" anchor="ctr"/>
+          <a:lstStyle/>
+          <a:p>
+            <a:pPr algn="ctr"/>
+            <a:endParaRPr kumimoji="1" lang="ja-JP" altLang="en-US"/>
+          </a:p>
+        </p:txBody>
+      </p:sp>
+      <p:sp>
+        <p:nvSpPr>
+          <p:cNvPr id="3" name="テキスト ボックス 2">
+            <a:extLst>
+              <a:ext uri="{FF2B5EF4-FFF2-40B4-BE49-F238E27FC236}">
+                <a16:creationId xmlns:a16="http://schemas.microsoft.com/office/drawing/2014/main" id="{D221A93B-80FC-6EED-B0DB-F215659F1976}"/>
+              </a:ext>
+            </a:extLst>
+          </p:cNvPr>
+          <p:cNvSpPr txBox="1"/>
+          <p:nvPr/>
+        </p:nvSpPr>
+        <p:spPr>
+          <a:xfrm>
+            <a:off x="1308100" y="2463800"/>
+            <a:ext cx="8675773" cy="2308324"/>
+          </a:xfrm>
+          <a:prstGeom prst="rect">
+            <a:avLst/>
+          </a:prstGeom>
+          <a:noFill/>
+        </p:spPr>
+        <p:txBody>
+          <a:bodyPr wrap="none" rtlCol="0">
+            <a:spAutoFit/>
+          </a:bodyPr>
+          <a:lstStyle/>
+          <a:p>
+            <a:r>
+              <a:rPr lang="en-US" altLang="ja-JP" dirty="0"/>
+              <a:t>p</a:t>
+            </a:r>
+            <a:r>
+              <a:rPr lang="ja-JP" altLang="en-US"/>
+              <a:t>値と有意水準の比較</a:t>
+            </a:r>
+          </a:p>
+          <a:p>
+            <a:endParaRPr lang="ja-JP" altLang="en-US"/>
+          </a:p>
+          <a:p>
+            <a:r>
+              <a:rPr lang="ja-JP" altLang="en-US"/>
+              <a:t>帰無仮説を棄却</a:t>
+            </a:r>
+          </a:p>
+          <a:p>
+            <a:endParaRPr lang="ja-JP" altLang="en-US"/>
+          </a:p>
+          <a:p>
+            <a:r>
+              <a:rPr lang="ja-JP" altLang="en-US"/>
+              <a:t>これは、「フライドポテトの平均重量が公表値 </a:t>
+            </a:r>
+            <a:r>
+              <a:rPr lang="en-US" altLang="ja-JP" dirty="0"/>
+              <a:t>135g </a:t>
+            </a:r>
+            <a:r>
+              <a:rPr lang="ja-JP" altLang="en-US"/>
+              <a:t>である」と仮定した場合に、</a:t>
+            </a:r>
+          </a:p>
+          <a:p>
+            <a:r>
+              <a:rPr lang="ja-JP" altLang="en-US"/>
+              <a:t>今回のような標本平均が得られる確率が</a:t>
+            </a:r>
+            <a:r>
+              <a:rPr lang="en-US" altLang="ja-JP" dirty="0"/>
+              <a:t>5%</a:t>
+            </a:r>
+            <a:r>
+              <a:rPr lang="ja-JP" altLang="en-US"/>
+              <a:t>よりも小さいことを意味する。</a:t>
+            </a:r>
+          </a:p>
+          <a:p>
+            <a:r>
+              <a:rPr lang="ja-JP" altLang="en-US"/>
+              <a:t>つまり、この結果は偶然としては非常に起こりにくいと判断できる。</a:t>
+            </a:r>
+          </a:p>
+          <a:p>
+            <a:r>
+              <a:rPr lang="ja-JP" altLang="en-US"/>
+              <a:t>したがって、この店のポテトは公表値</a:t>
+            </a:r>
+            <a:r>
+              <a:rPr lang="en-US" altLang="ja-JP" dirty="0"/>
+              <a:t>135g</a:t>
+            </a:r>
+            <a:r>
+              <a:rPr lang="ja-JP" altLang="en-US"/>
+              <a:t>どおりとは言えない。</a:t>
+            </a:r>
+            <a:endParaRPr kumimoji="1" lang="en-US" altLang="ja-JP" dirty="0"/>
+          </a:p>
+        </p:txBody>
+      </p:sp>
+      <p:sp>
+        <p:nvSpPr>
+          <p:cNvPr id="5" name="テキスト ボックス 4">
+            <a:extLst>
+              <a:ext uri="{FF2B5EF4-FFF2-40B4-BE49-F238E27FC236}">
+                <a16:creationId xmlns:a16="http://schemas.microsoft.com/office/drawing/2014/main" id="{1E217563-7877-9C22-1102-1D7CC0B1019F}"/>
+              </a:ext>
+            </a:extLst>
+          </p:cNvPr>
+          <p:cNvSpPr txBox="1"/>
+          <p:nvPr/>
+        </p:nvSpPr>
+        <p:spPr>
+          <a:xfrm>
+            <a:off x="315468" y="163889"/>
+            <a:ext cx="1766830" cy="461665"/>
+          </a:xfrm>
+          <a:prstGeom prst="rect">
+            <a:avLst/>
+          </a:prstGeom>
+          <a:noFill/>
+        </p:spPr>
+        <p:txBody>
+          <a:bodyPr wrap="none" rtlCol="0">
+            <a:spAutoFit/>
+          </a:bodyPr>
+          <a:lstStyle/>
+          <a:p>
+            <a:r>
+              <a:rPr lang="en-US" altLang="ja-JP" sz="2400" b="1" dirty="0"/>
+              <a:t>6.</a:t>
+            </a:r>
+            <a:r>
+              <a:rPr lang="ja-JP" altLang="en-US" sz="2400" b="1"/>
+              <a:t> 最終判断</a:t>
+            </a:r>
+            <a:endParaRPr kumimoji="1" lang="ja-JP" altLang="en-US" sz="2400" b="1"/>
+          </a:p>
+        </p:txBody>
+      </p:sp>
+    </p:spTree>
+    <p:extLst>
+      <p:ext uri="{BB962C8B-B14F-4D97-AF65-F5344CB8AC3E}">
+        <p14:creationId xmlns:p14="http://schemas.microsoft.com/office/powerpoint/2010/main" val="3587839910"/>
+      </p:ext>
+    </p:extLst>
+  </p:cSld>
+  <p:clrMapOvr>
+    <a:masterClrMapping/>
+  </p:clrMapOvr>
+</p:sld>
+</file>
+
 <file path=ppt/slides/slide2.xml><?xml version="1.0" encoding="utf-8"?>
+<p:sld xmlns:a="http://schemas.openxmlformats.org/drawingml/2006/main" xmlns:r="http://schemas.openxmlformats.org/officeDocument/2006/relationships" xmlns:p="http://schemas.openxmlformats.org/presentationml/2006/main">
+  <p:cSld>
+    <p:spTree>
+      <p:nvGrpSpPr>
+        <p:cNvPr id="1" name=""/>
+        <p:cNvGrpSpPr/>
+        <p:nvPr/>
+      </p:nvGrpSpPr>
+      <p:grpSpPr>
+        <a:xfrm>
+          <a:off x="0" y="0"/>
+          <a:ext cx="0" cy="0"/>
+          <a:chOff x="0" y="0"/>
+          <a:chExt cx="0" cy="0"/>
+        </a:xfrm>
+      </p:grpSpPr>
+      <p:pic>
+        <p:nvPicPr>
+          <p:cNvPr id="7" name="図 6">
+            <a:extLst>
+              <a:ext uri="{FF2B5EF4-FFF2-40B4-BE49-F238E27FC236}">
+                <a16:creationId xmlns:a16="http://schemas.microsoft.com/office/drawing/2014/main" id="{881BEFB4-B1F4-8BFF-77A3-6F8E2C270B97}"/>
+              </a:ext>
+            </a:extLst>
+          </p:cNvPr>
+          <p:cNvPicPr>
+            <a:picLocks noChangeAspect="1"/>
+          </p:cNvPicPr>
+          <p:nvPr/>
+        </p:nvPicPr>
+        <p:blipFill>
+          <a:blip r:embed="rId2"/>
+          <a:stretch>
+            <a:fillRect/>
+          </a:stretch>
+        </p:blipFill>
+        <p:spPr>
+          <a:xfrm>
+            <a:off x="4279900" y="2451100"/>
+            <a:ext cx="3632200" cy="1955800"/>
+          </a:xfrm>
+          <a:prstGeom prst="rect">
+            <a:avLst/>
+          </a:prstGeom>
+        </p:spPr>
+      </p:pic>
+      <p:pic>
+        <p:nvPicPr>
+          <p:cNvPr id="9" name="図 8">
+            <a:extLst>
+              <a:ext uri="{FF2B5EF4-FFF2-40B4-BE49-F238E27FC236}">
+                <a16:creationId xmlns:a16="http://schemas.microsoft.com/office/drawing/2014/main" id="{10F50845-DF01-2DFF-BCF9-125C3DF716A6}"/>
+              </a:ext>
+            </a:extLst>
+          </p:cNvPr>
+          <p:cNvPicPr>
+            <a:picLocks noChangeAspect="1"/>
+          </p:cNvPicPr>
+          <p:nvPr/>
+        </p:nvPicPr>
+        <p:blipFill>
+          <a:blip r:embed="rId3"/>
+          <a:stretch>
+            <a:fillRect/>
+          </a:stretch>
+        </p:blipFill>
+        <p:spPr>
+          <a:xfrm>
+            <a:off x="8373835" y="3712935"/>
+            <a:ext cx="2171700" cy="1130300"/>
+          </a:xfrm>
+          <a:prstGeom prst="rect">
+            <a:avLst/>
+          </a:prstGeom>
+        </p:spPr>
+      </p:pic>
+      <p:pic>
+        <p:nvPicPr>
+          <p:cNvPr id="11" name="図 10">
+            <a:extLst>
+              <a:ext uri="{FF2B5EF4-FFF2-40B4-BE49-F238E27FC236}">
+                <a16:creationId xmlns:a16="http://schemas.microsoft.com/office/drawing/2014/main" id="{2CFBE50C-51B8-2232-6739-47244F5EE982}"/>
+              </a:ext>
+            </a:extLst>
+          </p:cNvPr>
+          <p:cNvPicPr>
+            <a:picLocks noChangeAspect="1"/>
+          </p:cNvPicPr>
+          <p:nvPr/>
+        </p:nvPicPr>
+        <p:blipFill>
+          <a:blip r:embed="rId4"/>
+          <a:stretch>
+            <a:fillRect/>
+          </a:stretch>
+        </p:blipFill>
+        <p:spPr>
+          <a:xfrm>
+            <a:off x="4615025" y="3058590"/>
+            <a:ext cx="3179146" cy="1784645"/>
+          </a:xfrm>
+          <a:prstGeom prst="rect">
+            <a:avLst/>
+          </a:prstGeom>
+        </p:spPr>
+      </p:pic>
+      <p:sp>
+        <p:nvSpPr>
+          <p:cNvPr id="12" name="正方形/長方形 11">
+            <a:extLst>
+              <a:ext uri="{FF2B5EF4-FFF2-40B4-BE49-F238E27FC236}">
+                <a16:creationId xmlns:a16="http://schemas.microsoft.com/office/drawing/2014/main" id="{D99CDCA0-15EB-61D9-0FFA-9EECCA951F0C}"/>
+              </a:ext>
+            </a:extLst>
+          </p:cNvPr>
+          <p:cNvSpPr/>
+          <p:nvPr/>
+        </p:nvSpPr>
+        <p:spPr>
+          <a:xfrm>
+            <a:off x="391885" y="1048510"/>
+            <a:ext cx="8186057" cy="305096"/>
+          </a:xfrm>
+          <a:prstGeom prst="rect">
+            <a:avLst/>
+          </a:prstGeom>
+          <a:solidFill>
+            <a:srgbClr val="22363A"/>
+          </a:solidFill>
+          <a:ln>
+            <a:noFill/>
+          </a:ln>
+        </p:spPr>
+        <p:style>
+          <a:lnRef idx="2">
+            <a:schemeClr val="accent1">
+              <a:shade val="15000"/>
+            </a:schemeClr>
+          </a:lnRef>
+          <a:fillRef idx="1">
+            <a:schemeClr val="accent1"/>
+          </a:fillRef>
+          <a:effectRef idx="0">
+            <a:schemeClr val="accent1"/>
+          </a:effectRef>
+          <a:fontRef idx="minor">
+            <a:schemeClr val="lt1"/>
+          </a:fontRef>
+        </p:style>
+        <p:txBody>
+          <a:bodyPr rtlCol="0" anchor="ctr"/>
+          <a:lstStyle/>
+          <a:p>
+            <a:pPr algn="ctr"/>
+            <a:endParaRPr kumimoji="1" lang="ja-JP" altLang="en-US"/>
+          </a:p>
+        </p:txBody>
+      </p:sp>
+      <p:sp>
+        <p:nvSpPr>
+          <p:cNvPr id="13" name="正方形/長方形 12">
+            <a:extLst>
+              <a:ext uri="{FF2B5EF4-FFF2-40B4-BE49-F238E27FC236}">
+                <a16:creationId xmlns:a16="http://schemas.microsoft.com/office/drawing/2014/main" id="{B0152ED5-CD6A-706C-BB66-FAEF1908CCCE}"/>
+              </a:ext>
+            </a:extLst>
+          </p:cNvPr>
+          <p:cNvSpPr/>
+          <p:nvPr/>
+        </p:nvSpPr>
+        <p:spPr>
+          <a:xfrm>
+            <a:off x="566057" y="2851762"/>
+            <a:ext cx="4267200" cy="305096"/>
+          </a:xfrm>
+          <a:prstGeom prst="rect">
+            <a:avLst/>
+          </a:prstGeom>
+          <a:solidFill>
+            <a:srgbClr val="49767F"/>
+          </a:solidFill>
+          <a:ln>
+            <a:noFill/>
+          </a:ln>
+        </p:spPr>
+        <p:style>
+          <a:lnRef idx="2">
+            <a:schemeClr val="accent1">
+              <a:shade val="15000"/>
+            </a:schemeClr>
+          </a:lnRef>
+          <a:fillRef idx="1">
+            <a:schemeClr val="accent1"/>
+          </a:fillRef>
+          <a:effectRef idx="0">
+            <a:schemeClr val="accent1"/>
+          </a:effectRef>
+          <a:fontRef idx="minor">
+            <a:schemeClr val="lt1"/>
+          </a:fontRef>
+        </p:style>
+        <p:txBody>
+          <a:bodyPr rtlCol="0" anchor="ctr"/>
+          <a:lstStyle/>
+          <a:p>
+            <a:r>
+              <a:rPr kumimoji="1" lang="ja-JP" altLang="en-US" b="1">
+                <a:solidFill>
+                  <a:srgbClr val="EEFFFB"/>
+                </a:solidFill>
+              </a:rPr>
+              <a:t>これはテキストです</a:t>
+            </a:r>
+          </a:p>
+        </p:txBody>
+      </p:sp>
+      <p:sp>
+        <p:nvSpPr>
+          <p:cNvPr id="14" name="正方形/長方形 13">
+            <a:extLst>
+              <a:ext uri="{FF2B5EF4-FFF2-40B4-BE49-F238E27FC236}">
+                <a16:creationId xmlns:a16="http://schemas.microsoft.com/office/drawing/2014/main" id="{FE64D5DC-FA4A-E946-AD2A-B53BC3D0544C}"/>
+              </a:ext>
+            </a:extLst>
+          </p:cNvPr>
+          <p:cNvSpPr/>
+          <p:nvPr/>
+        </p:nvSpPr>
+        <p:spPr>
+          <a:xfrm>
+            <a:off x="566057" y="3156857"/>
+            <a:ext cx="4267200" cy="1250043"/>
+          </a:xfrm>
+          <a:prstGeom prst="rect">
+            <a:avLst/>
+          </a:prstGeom>
+          <a:solidFill>
+            <a:srgbClr val="EEFFFB"/>
+          </a:solidFill>
+          <a:ln>
+            <a:noFill/>
+          </a:ln>
+        </p:spPr>
+        <p:style>
+          <a:lnRef idx="2">
+            <a:schemeClr val="accent1">
+              <a:shade val="15000"/>
+            </a:schemeClr>
+          </a:lnRef>
+          <a:fillRef idx="1">
+            <a:schemeClr val="accent1"/>
+          </a:fillRef>
+          <a:effectRef idx="0">
+            <a:schemeClr val="accent1"/>
+          </a:effectRef>
+          <a:fontRef idx="minor">
+            <a:schemeClr val="lt1"/>
+          </a:fontRef>
+        </p:style>
+        <p:txBody>
+          <a:bodyPr rtlCol="0" anchor="ctr"/>
+          <a:lstStyle/>
+          <a:p>
+            <a:pPr>
+              <a:lnSpc>
+                <a:spcPct val="150000"/>
+              </a:lnSpc>
+            </a:pPr>
+            <a:r>
+              <a:rPr lang="en-US" altLang="ja-JP" sz="1200" dirty="0">
+                <a:solidFill>
+                  <a:schemeClr val="tx1"/>
+                </a:solidFill>
+              </a:rPr>
+              <a:t>• </a:t>
+            </a:r>
+            <a:r>
+              <a:rPr lang="ja-JP" altLang="en-US" sz="1200">
+                <a:solidFill>
+                  <a:schemeClr val="tx1"/>
+                </a:solidFill>
+              </a:rPr>
+              <a:t>今日のキーワード：散布図・回帰直線・予測式</a:t>
+            </a:r>
+            <a:endParaRPr lang="en-US" altLang="ja-JP" sz="1200" dirty="0">
+              <a:solidFill>
+                <a:schemeClr val="tx1"/>
+              </a:solidFill>
+            </a:endParaRPr>
+          </a:p>
+          <a:p>
+            <a:pPr>
+              <a:lnSpc>
+                <a:spcPct val="150000"/>
+              </a:lnSpc>
+            </a:pPr>
+            <a:r>
+              <a:rPr lang="en" altLang="ja-JP" sz="1200" dirty="0">
+                <a:solidFill>
+                  <a:schemeClr val="tx1"/>
+                </a:solidFill>
+              </a:rPr>
+              <a:t>• </a:t>
+            </a:r>
+            <a:r>
+              <a:rPr lang="ja-JP" altLang="en-US" sz="1200">
+                <a:solidFill>
+                  <a:schemeClr val="tx1"/>
+                </a:solidFill>
+              </a:rPr>
+              <a:t>回帰は、正しい／間違いを決める話ではなく、未来を</a:t>
+            </a:r>
+          </a:p>
+          <a:p>
+            <a:pPr>
+              <a:lnSpc>
+                <a:spcPct val="150000"/>
+              </a:lnSpc>
+            </a:pPr>
+            <a:r>
+              <a:rPr lang="en-US" altLang="ja-JP" sz="1200" dirty="0">
+                <a:solidFill>
+                  <a:schemeClr val="tx1"/>
+                </a:solidFill>
+              </a:rPr>
+              <a:t>• </a:t>
+            </a:r>
+            <a:r>
+              <a:rPr lang="ja-JP" altLang="en-US" sz="1200">
+                <a:solidFill>
+                  <a:schemeClr val="tx1"/>
+                </a:solidFill>
+              </a:rPr>
+              <a:t>ゴールは計算ではなく、式の意味を言葉で説明できること</a:t>
+            </a:r>
+          </a:p>
+          <a:p>
+            <a:pPr algn="ctr"/>
+            <a:endParaRPr kumimoji="1" lang="ja-JP" altLang="en-US" sz="1200">
+              <a:solidFill>
+                <a:schemeClr val="tx1"/>
+              </a:solidFill>
+            </a:endParaRPr>
+          </a:p>
+        </p:txBody>
+      </p:sp>
+      <p:pic>
+        <p:nvPicPr>
+          <p:cNvPr id="16" name="図 15">
+            <a:extLst>
+              <a:ext uri="{FF2B5EF4-FFF2-40B4-BE49-F238E27FC236}">
+                <a16:creationId xmlns:a16="http://schemas.microsoft.com/office/drawing/2014/main" id="{CFC8B991-7ED8-5605-BB0B-411D4C479162}"/>
+              </a:ext>
+            </a:extLst>
+          </p:cNvPr>
+          <p:cNvPicPr>
+            <a:picLocks noChangeAspect="1"/>
+          </p:cNvPicPr>
+          <p:nvPr/>
+        </p:nvPicPr>
+        <p:blipFill>
+          <a:blip r:embed="rId5"/>
+          <a:stretch>
+            <a:fillRect/>
+          </a:stretch>
+        </p:blipFill>
+        <p:spPr>
+          <a:xfrm>
+            <a:off x="3853543" y="1061418"/>
+            <a:ext cx="7772400" cy="4190878"/>
+          </a:xfrm>
+          <a:prstGeom prst="rect">
+            <a:avLst/>
+          </a:prstGeom>
+        </p:spPr>
+      </p:pic>
+    </p:spTree>
+    <p:extLst>
+      <p:ext uri="{BB962C8B-B14F-4D97-AF65-F5344CB8AC3E}">
+        <p14:creationId xmlns:p14="http://schemas.microsoft.com/office/powerpoint/2010/main" val="3953677410"/>
+      </p:ext>
+    </p:extLst>
+  </p:cSld>
+  <p:clrMapOvr>
+    <a:masterClrMapping/>
+  </p:clrMapOvr>
+</p:sld>
+</file>
+
+<file path=ppt/slides/slide3.xml><?xml version="1.0" encoding="utf-8"?>
+<p:sld xmlns:a="http://schemas.openxmlformats.org/drawingml/2006/main" xmlns:r="http://schemas.openxmlformats.org/officeDocument/2006/relationships" xmlns:p="http://schemas.openxmlformats.org/presentationml/2006/main">
+  <p:cSld>
+    <p:spTree>
+      <p:nvGrpSpPr>
+        <p:cNvPr id="1" name="">
+          <a:extLst>
+            <a:ext uri="{FF2B5EF4-FFF2-40B4-BE49-F238E27FC236}">
+              <a16:creationId xmlns:a16="http://schemas.microsoft.com/office/drawing/2014/main" id="{CC929BD5-B0C0-363B-FAD8-D1768BDE9EC7}"/>
+            </a:ext>
+          </a:extLst>
+        </p:cNvPr>
+        <p:cNvGrpSpPr/>
+        <p:nvPr/>
+      </p:nvGrpSpPr>
+      <p:grpSpPr>
+        <a:xfrm>
+          <a:off x="0" y="0"/>
+          <a:ext cx="0" cy="0"/>
+          <a:chOff x="0" y="0"/>
+          <a:chExt cx="0" cy="0"/>
+        </a:xfrm>
+      </p:grpSpPr>
+      <p:pic>
+        <p:nvPicPr>
+          <p:cNvPr id="16" name="図 15">
+            <a:extLst>
+              <a:ext uri="{FF2B5EF4-FFF2-40B4-BE49-F238E27FC236}">
+                <a16:creationId xmlns:a16="http://schemas.microsoft.com/office/drawing/2014/main" id="{09F6D369-9D0D-C5A1-A092-1987246A872F}"/>
+              </a:ext>
+            </a:extLst>
+          </p:cNvPr>
+          <p:cNvPicPr>
+            <a:picLocks noChangeAspect="1"/>
+          </p:cNvPicPr>
+          <p:nvPr/>
+        </p:nvPicPr>
+        <p:blipFill>
+          <a:blip r:embed="rId2"/>
+          <a:stretch>
+            <a:fillRect/>
+          </a:stretch>
+        </p:blipFill>
+        <p:spPr>
+          <a:xfrm>
+            <a:off x="391885" y="2431143"/>
+            <a:ext cx="7772400" cy="4190878"/>
+          </a:xfrm>
+          <a:prstGeom prst="rect">
+            <a:avLst/>
+          </a:prstGeom>
+        </p:spPr>
+      </p:pic>
+      <p:sp>
+        <p:nvSpPr>
+          <p:cNvPr id="12" name="正方形/長方形 11">
+            <a:extLst>
+              <a:ext uri="{FF2B5EF4-FFF2-40B4-BE49-F238E27FC236}">
+                <a16:creationId xmlns:a16="http://schemas.microsoft.com/office/drawing/2014/main" id="{20C4CB06-C1CF-19B3-C74C-B893D945BAF0}"/>
+              </a:ext>
+            </a:extLst>
+          </p:cNvPr>
+          <p:cNvSpPr/>
+          <p:nvPr/>
+        </p:nvSpPr>
+        <p:spPr>
+          <a:xfrm>
+            <a:off x="391885" y="1178990"/>
+            <a:ext cx="8186057" cy="305096"/>
+          </a:xfrm>
+          <a:prstGeom prst="rect">
+            <a:avLst/>
+          </a:prstGeom>
+          <a:solidFill>
+            <a:srgbClr val="213539"/>
+          </a:solidFill>
+          <a:ln>
+            <a:noFill/>
+          </a:ln>
+        </p:spPr>
+        <p:style>
+          <a:lnRef idx="2">
+            <a:schemeClr val="accent1">
+              <a:shade val="15000"/>
+            </a:schemeClr>
+          </a:lnRef>
+          <a:fillRef idx="1">
+            <a:schemeClr val="accent1"/>
+          </a:fillRef>
+          <a:effectRef idx="0">
+            <a:schemeClr val="accent1"/>
+          </a:effectRef>
+          <a:fontRef idx="minor">
+            <a:schemeClr val="lt1"/>
+          </a:fontRef>
+        </p:style>
+        <p:txBody>
+          <a:bodyPr rtlCol="0" anchor="ctr"/>
+          <a:lstStyle/>
+          <a:p>
+            <a:pPr algn="ctr"/>
+            <a:endParaRPr kumimoji="1" lang="ja-JP" altLang="en-US"/>
+          </a:p>
+        </p:txBody>
+      </p:sp>
+      <p:sp>
+        <p:nvSpPr>
+          <p:cNvPr id="13" name="正方形/長方形 12">
+            <a:extLst>
+              <a:ext uri="{FF2B5EF4-FFF2-40B4-BE49-F238E27FC236}">
+                <a16:creationId xmlns:a16="http://schemas.microsoft.com/office/drawing/2014/main" id="{8D99EE1E-3936-4003-7DB1-30753F09561A}"/>
+              </a:ext>
+            </a:extLst>
+          </p:cNvPr>
+          <p:cNvSpPr/>
+          <p:nvPr/>
+        </p:nvSpPr>
+        <p:spPr>
+          <a:xfrm>
+            <a:off x="566057" y="2851761"/>
+            <a:ext cx="7249886" cy="305096"/>
+          </a:xfrm>
+          <a:prstGeom prst="rect">
+            <a:avLst/>
+          </a:prstGeom>
+          <a:solidFill>
+            <a:srgbClr val="49767F"/>
+          </a:solidFill>
+          <a:ln>
+            <a:noFill/>
+          </a:ln>
+        </p:spPr>
+        <p:style>
+          <a:lnRef idx="2">
+            <a:schemeClr val="accent1">
+              <a:shade val="15000"/>
+            </a:schemeClr>
+          </a:lnRef>
+          <a:fillRef idx="1">
+            <a:schemeClr val="accent1"/>
+          </a:fillRef>
+          <a:effectRef idx="0">
+            <a:schemeClr val="accent1"/>
+          </a:effectRef>
+          <a:fontRef idx="minor">
+            <a:schemeClr val="lt1"/>
+          </a:fontRef>
+        </p:style>
+        <p:txBody>
+          <a:bodyPr rtlCol="0" anchor="ctr"/>
+          <a:lstStyle/>
+          <a:p>
+            <a:r>
+              <a:rPr kumimoji="1" lang="ja-JP" altLang="en-US" b="1">
+                <a:solidFill>
+                  <a:srgbClr val="EEFFFB"/>
+                </a:solidFill>
+              </a:rPr>
+              <a:t>これはテキストです</a:t>
+            </a:r>
+          </a:p>
+        </p:txBody>
+      </p:sp>
+      <p:sp>
+        <p:nvSpPr>
+          <p:cNvPr id="14" name="正方形/長方形 13">
+            <a:extLst>
+              <a:ext uri="{FF2B5EF4-FFF2-40B4-BE49-F238E27FC236}">
+                <a16:creationId xmlns:a16="http://schemas.microsoft.com/office/drawing/2014/main" id="{7CBCE578-6C48-5D41-A509-4C399C5A25D0}"/>
+              </a:ext>
+            </a:extLst>
+          </p:cNvPr>
+          <p:cNvSpPr/>
+          <p:nvPr/>
+        </p:nvSpPr>
+        <p:spPr>
+          <a:xfrm>
+            <a:off x="566057" y="3156857"/>
+            <a:ext cx="7249886" cy="947057"/>
+          </a:xfrm>
+          <a:prstGeom prst="rect">
+            <a:avLst/>
+          </a:prstGeom>
+          <a:solidFill>
+            <a:schemeClr val="bg1"/>
+          </a:solidFill>
+          <a:ln w="28575">
+            <a:solidFill>
+              <a:srgbClr val="51848E"/>
+            </a:solidFill>
+          </a:ln>
+        </p:spPr>
+        <p:style>
+          <a:lnRef idx="2">
+            <a:schemeClr val="accent1">
+              <a:shade val="15000"/>
+            </a:schemeClr>
+          </a:lnRef>
+          <a:fillRef idx="1">
+            <a:schemeClr val="accent1"/>
+          </a:fillRef>
+          <a:effectRef idx="0">
+            <a:schemeClr val="accent1"/>
+          </a:effectRef>
+          <a:fontRef idx="minor">
+            <a:schemeClr val="lt1"/>
+          </a:fontRef>
+        </p:style>
+        <p:txBody>
+          <a:bodyPr rtlCol="0" anchor="ctr"/>
+          <a:lstStyle/>
+          <a:p>
+            <a:pPr>
+              <a:lnSpc>
+                <a:spcPct val="150000"/>
+              </a:lnSpc>
+            </a:pPr>
+            <a:r>
+              <a:rPr lang="en-US" altLang="ja-JP" sz="1200" dirty="0">
+                <a:solidFill>
+                  <a:srgbClr val="2E4A50"/>
+                </a:solidFill>
+              </a:rPr>
+              <a:t>• </a:t>
+            </a:r>
+            <a:r>
+              <a:rPr lang="ja-JP" altLang="en-US" sz="1200">
+                <a:solidFill>
+                  <a:srgbClr val="2E4A50"/>
+                </a:solidFill>
+              </a:rPr>
+              <a:t>今日のキーワード：散布図・回帰直線・予測式</a:t>
+            </a:r>
+            <a:endParaRPr lang="en-US" altLang="ja-JP" sz="1200" dirty="0">
+              <a:solidFill>
+                <a:srgbClr val="2E4A50"/>
+              </a:solidFill>
+            </a:endParaRPr>
+          </a:p>
+          <a:p>
+            <a:pPr>
+              <a:lnSpc>
+                <a:spcPct val="150000"/>
+              </a:lnSpc>
+            </a:pPr>
+            <a:r>
+              <a:rPr lang="en" altLang="ja-JP" sz="1200" dirty="0">
+                <a:solidFill>
+                  <a:srgbClr val="2E4A50"/>
+                </a:solidFill>
+              </a:rPr>
+              <a:t>• </a:t>
+            </a:r>
+            <a:r>
+              <a:rPr lang="ja-JP" altLang="en-US" sz="1200">
+                <a:solidFill>
+                  <a:srgbClr val="2E4A50"/>
+                </a:solidFill>
+              </a:rPr>
+              <a:t>回帰は、正しい／間違いを決める話ではなく、未来を</a:t>
+            </a:r>
+          </a:p>
+          <a:p>
+            <a:pPr>
+              <a:lnSpc>
+                <a:spcPct val="150000"/>
+              </a:lnSpc>
+            </a:pPr>
+            <a:r>
+              <a:rPr lang="en-US" altLang="ja-JP" sz="1200" dirty="0">
+                <a:solidFill>
+                  <a:srgbClr val="2E4A50"/>
+                </a:solidFill>
+              </a:rPr>
+              <a:t>• </a:t>
+            </a:r>
+            <a:r>
+              <a:rPr lang="ja-JP" altLang="en-US" sz="1200">
+                <a:solidFill>
+                  <a:srgbClr val="2E4A50"/>
+                </a:solidFill>
+              </a:rPr>
+              <a:t>ゴールは計算ではなく、式の意味を言葉で説明できること</a:t>
+            </a:r>
+          </a:p>
+          <a:p>
+            <a:pPr algn="ctr"/>
+            <a:endParaRPr kumimoji="1" lang="ja-JP" altLang="en-US" sz="1200">
+              <a:solidFill>
+                <a:srgbClr val="2E4A50"/>
+              </a:solidFill>
+            </a:endParaRPr>
+          </a:p>
+        </p:txBody>
+      </p:sp>
+      <p:pic>
+        <p:nvPicPr>
+          <p:cNvPr id="3" name="図 2">
+            <a:extLst>
+              <a:ext uri="{FF2B5EF4-FFF2-40B4-BE49-F238E27FC236}">
+                <a16:creationId xmlns:a16="http://schemas.microsoft.com/office/drawing/2014/main" id="{809A0A63-DF95-F886-818B-0E1CE5CDAF6B}"/>
+              </a:ext>
+            </a:extLst>
+          </p:cNvPr>
+          <p:cNvPicPr>
+            <a:picLocks noChangeAspect="1"/>
+          </p:cNvPicPr>
+          <p:nvPr/>
+        </p:nvPicPr>
+        <p:blipFill>
+          <a:blip r:embed="rId3"/>
+          <a:stretch>
+            <a:fillRect/>
+          </a:stretch>
+        </p:blipFill>
+        <p:spPr>
+          <a:xfrm>
+            <a:off x="914399" y="4854880"/>
+            <a:ext cx="7249886" cy="1293457"/>
+          </a:xfrm>
+          <a:prstGeom prst="rect">
+            <a:avLst/>
+          </a:prstGeom>
+          <a:ln w="19050">
+            <a:solidFill>
+              <a:schemeClr val="tx1"/>
+            </a:solidFill>
+          </a:ln>
+        </p:spPr>
+      </p:pic>
+      <p:sp>
+        <p:nvSpPr>
+          <p:cNvPr id="4" name="正方形/長方形 3">
+            <a:extLst>
+              <a:ext uri="{FF2B5EF4-FFF2-40B4-BE49-F238E27FC236}">
+                <a16:creationId xmlns:a16="http://schemas.microsoft.com/office/drawing/2014/main" id="{0EA792A5-3DA3-E34D-45BE-768DDD6DFCCE}"/>
+              </a:ext>
+            </a:extLst>
+          </p:cNvPr>
+          <p:cNvSpPr/>
+          <p:nvPr/>
+        </p:nvSpPr>
+        <p:spPr>
+          <a:xfrm>
+            <a:off x="8294912" y="1691211"/>
+            <a:ext cx="1436915" cy="739932"/>
+          </a:xfrm>
+          <a:prstGeom prst="rect">
+            <a:avLst/>
+          </a:prstGeom>
+          <a:solidFill>
+            <a:srgbClr val="587A7F"/>
+          </a:solidFill>
+          <a:ln>
+            <a:noFill/>
+          </a:ln>
+        </p:spPr>
+        <p:style>
+          <a:lnRef idx="2">
+            <a:schemeClr val="accent1">
+              <a:shade val="15000"/>
+            </a:schemeClr>
+          </a:lnRef>
+          <a:fillRef idx="1">
+            <a:schemeClr val="accent1"/>
+          </a:fillRef>
+          <a:effectRef idx="0">
+            <a:schemeClr val="accent1"/>
+          </a:effectRef>
+          <a:fontRef idx="minor">
+            <a:schemeClr val="lt1"/>
+          </a:fontRef>
+        </p:style>
+        <p:txBody>
+          <a:bodyPr rtlCol="0" anchor="ctr"/>
+          <a:lstStyle/>
+          <a:p>
+            <a:pPr algn="ctr"/>
+            <a:endParaRPr kumimoji="1" lang="ja-JP" altLang="en-US"/>
+          </a:p>
+        </p:txBody>
+      </p:sp>
+      <p:pic>
+        <p:nvPicPr>
+          <p:cNvPr id="6" name="図 5">
+            <a:extLst>
+              <a:ext uri="{FF2B5EF4-FFF2-40B4-BE49-F238E27FC236}">
+                <a16:creationId xmlns:a16="http://schemas.microsoft.com/office/drawing/2014/main" id="{3D6E4983-5A4B-F795-1E3B-80F0694F5F0D}"/>
+              </a:ext>
+            </a:extLst>
+          </p:cNvPr>
+          <p:cNvPicPr>
+            <a:picLocks noChangeAspect="1"/>
+          </p:cNvPicPr>
+          <p:nvPr/>
+        </p:nvPicPr>
+        <p:blipFill>
+          <a:blip r:embed="rId4"/>
+          <a:stretch>
+            <a:fillRect/>
+          </a:stretch>
+        </p:blipFill>
+        <p:spPr>
+          <a:xfrm>
+            <a:off x="391885" y="4213995"/>
+            <a:ext cx="7772400" cy="1770503"/>
+          </a:xfrm>
+          <a:prstGeom prst="rect">
+            <a:avLst/>
+          </a:prstGeom>
+        </p:spPr>
+      </p:pic>
+    </p:spTree>
+    <p:extLst>
+      <p:ext uri="{BB962C8B-B14F-4D97-AF65-F5344CB8AC3E}">
+        <p14:creationId xmlns:p14="http://schemas.microsoft.com/office/powerpoint/2010/main" val="1444208543"/>
+      </p:ext>
+    </p:extLst>
+  </p:cSld>
+  <p:clrMapOvr>
+    <a:masterClrMapping/>
+  </p:clrMapOvr>
+</p:sld>
+</file>
+
+<file path=ppt/slides/slide4.xml><?xml version="1.0" encoding="utf-8"?>
 <p:sld xmlns:a="http://schemas.openxmlformats.org/drawingml/2006/main" xmlns:r="http://schemas.openxmlformats.org/officeDocument/2006/relationships" xmlns:p="http://schemas.openxmlformats.org/presentationml/2006/main">
   <p:cSld>
     <p:spTree>
@@ -4702,7 +6059,7 @@
 </p:sld>
 </file>
 
-<file path=ppt/slides/slide3.xml><?xml version="1.0" encoding="utf-8"?>
+<file path=ppt/slides/slide5.xml><?xml version="1.0" encoding="utf-8"?>
 <p:sld xmlns:a="http://schemas.openxmlformats.org/drawingml/2006/main" xmlns:r="http://schemas.openxmlformats.org/officeDocument/2006/relationships" xmlns:p="http://schemas.openxmlformats.org/presentationml/2006/main">
   <p:cSld>
     <p:spTree>
@@ -4762,7 +6119,7 @@
 </p:sld>
 </file>
 
-<file path=ppt/slides/slide4.xml><?xml version="1.0" encoding="utf-8"?>
+<file path=ppt/slides/slide6.xml><?xml version="1.0" encoding="utf-8"?>
 <p:sld xmlns:a="http://schemas.openxmlformats.org/drawingml/2006/main" xmlns:r="http://schemas.openxmlformats.org/officeDocument/2006/relationships" xmlns:p="http://schemas.openxmlformats.org/presentationml/2006/main">
   <p:cSld>
     <p:spTree>
@@ -4869,8 +6226,8 @@
           </a:p>
         </p:txBody>
       </p:sp>
-      <mc:AlternateContent xmlns:mc="http://schemas.openxmlformats.org/markup-compatibility/2006">
-        <mc:Choice xmlns:a14="http://schemas.microsoft.com/office/drawing/2010/main" Requires="a14">
+      <mc:AlternateContent xmlns:mc="http://schemas.openxmlformats.org/markup-compatibility/2006" xmlns:a14="http://schemas.microsoft.com/office/drawing/2010/main">
+        <mc:Choice Requires="a14">
           <p:sp>
             <p:nvSpPr>
               <p:cNvPr id="3" name="テキスト ボックス 2">
@@ -5063,7 +6420,7 @@
             </p:txBody>
           </p:sp>
         </mc:Choice>
-        <mc:Fallback>
+        <mc:Fallback xmlns="">
           <p:sp>
             <p:nvSpPr>
               <p:cNvPr id="3" name="テキスト ボックス 2">
@@ -5161,7 +6518,7 @@
 </p:sld>
 </file>
 
-<file path=ppt/slides/slide5.xml><?xml version="1.0" encoding="utf-8"?>
+<file path=ppt/slides/slide7.xml><?xml version="1.0" encoding="utf-8"?>
 <p:sld xmlns:a="http://schemas.openxmlformats.org/drawingml/2006/main" xmlns:r="http://schemas.openxmlformats.org/officeDocument/2006/relationships" xmlns:p="http://schemas.openxmlformats.org/presentationml/2006/main">
   <p:cSld>
     <p:spTree>
@@ -5493,7 +6850,7 @@
 </p:sld>
 </file>
 
-<file path=ppt/slides/slide6.xml><?xml version="1.0" encoding="utf-8"?>
+<file path=ppt/slides/slide8.xml><?xml version="1.0" encoding="utf-8"?>
 <p:sld xmlns:a="http://schemas.openxmlformats.org/drawingml/2006/main" xmlns:r="http://schemas.openxmlformats.org/officeDocument/2006/relationships" xmlns:p="http://schemas.openxmlformats.org/presentationml/2006/main">
   <p:cSld>
     <p:spTree>
@@ -5803,8 +7160,8 @@
           </a:extLst>
         </p:spPr>
       </p:pic>
-      <mc:AlternateContent xmlns:mc="http://schemas.openxmlformats.org/markup-compatibility/2006">
-        <mc:Choice xmlns:a14="http://schemas.microsoft.com/office/drawing/2010/main" Requires="a14">
+      <mc:AlternateContent xmlns:mc="http://schemas.openxmlformats.org/markup-compatibility/2006" xmlns:a14="http://schemas.microsoft.com/office/drawing/2010/main">
+        <mc:Choice Requires="a14">
           <p:sp>
             <p:nvSpPr>
               <p:cNvPr id="8" name="テキスト ボックス 7">
@@ -5884,7 +7241,7 @@
             </p:txBody>
           </p:sp>
         </mc:Choice>
-        <mc:Fallback>
+        <mc:Fallback xmlns="">
           <p:sp>
             <p:nvSpPr>
               <p:cNvPr id="8" name="テキスト ボックス 7">
@@ -5929,8 +7286,8 @@
           </p:sp>
         </mc:Fallback>
       </mc:AlternateContent>
-      <mc:AlternateContent xmlns:mc="http://schemas.openxmlformats.org/markup-compatibility/2006">
-        <mc:Choice xmlns:a14="http://schemas.microsoft.com/office/drawing/2010/main" Requires="a14">
+      <mc:AlternateContent xmlns:mc="http://schemas.openxmlformats.org/markup-compatibility/2006" xmlns:a14="http://schemas.microsoft.com/office/drawing/2010/main">
+        <mc:Choice Requires="a14">
           <p:sp>
             <p:nvSpPr>
               <p:cNvPr id="9" name="テキスト ボックス 8">
@@ -6029,7 +7386,7 @@
             </p:txBody>
           </p:sp>
         </mc:Choice>
-        <mc:Fallback>
+        <mc:Fallback xmlns="">
           <p:sp>
             <p:nvSpPr>
               <p:cNvPr id="9" name="テキスト ボックス 8">
@@ -6135,7 +7492,7 @@
 </p:sld>
 </file>
 
-<file path=ppt/slides/slide7.xml><?xml version="1.0" encoding="utf-8"?>
+<file path=ppt/slides/slide9.xml><?xml version="1.0" encoding="utf-8"?>
 <p:sld xmlns:a="http://schemas.openxmlformats.org/drawingml/2006/main" xmlns:r="http://schemas.openxmlformats.org/officeDocument/2006/relationships" xmlns:p="http://schemas.openxmlformats.org/presentationml/2006/main">
   <p:cSld>
     <p:spTree>
@@ -6510,541 +7867,6 @@
     <p:extLst>
       <p:ext uri="{BB962C8B-B14F-4D97-AF65-F5344CB8AC3E}">
         <p14:creationId xmlns:p14="http://schemas.microsoft.com/office/powerpoint/2010/main" val="2391344614"/>
-      </p:ext>
-    </p:extLst>
-  </p:cSld>
-  <p:clrMapOvr>
-    <a:masterClrMapping/>
-  </p:clrMapOvr>
-</p:sld>
-</file>
-
-<file path=ppt/slides/slide8.xml><?xml version="1.0" encoding="utf-8"?>
-<p:sld xmlns:a="http://schemas.openxmlformats.org/drawingml/2006/main" xmlns:r="http://schemas.openxmlformats.org/officeDocument/2006/relationships" xmlns:p="http://schemas.openxmlformats.org/presentationml/2006/main">
-  <p:cSld>
-    <p:spTree>
-      <p:nvGrpSpPr>
-        <p:cNvPr id="1" name="">
-          <a:extLst>
-            <a:ext uri="{FF2B5EF4-FFF2-40B4-BE49-F238E27FC236}">
-              <a16:creationId xmlns:a16="http://schemas.microsoft.com/office/drawing/2014/main" id="{0143A7D5-CB55-179D-E8FC-08B454296412}"/>
-            </a:ext>
-          </a:extLst>
-        </p:cNvPr>
-        <p:cNvGrpSpPr/>
-        <p:nvPr/>
-      </p:nvGrpSpPr>
-      <p:grpSpPr>
-        <a:xfrm>
-          <a:off x="0" y="0"/>
-          <a:ext cx="0" cy="0"/>
-          <a:chOff x="0" y="0"/>
-          <a:chExt cx="0" cy="0"/>
-        </a:xfrm>
-      </p:grpSpPr>
-      <p:pic>
-        <p:nvPicPr>
-          <p:cNvPr id="11" name="図 10">
-            <a:extLst>
-              <a:ext uri="{FF2B5EF4-FFF2-40B4-BE49-F238E27FC236}">
-                <a16:creationId xmlns:a16="http://schemas.microsoft.com/office/drawing/2014/main" id="{8C6294C4-8F53-CE41-5749-644ABA4B6185}"/>
-              </a:ext>
-            </a:extLst>
-          </p:cNvPr>
-          <p:cNvPicPr>
-            <a:picLocks noChangeAspect="1"/>
-          </p:cNvPicPr>
-          <p:nvPr/>
-        </p:nvPicPr>
-        <p:blipFill>
-          <a:blip r:embed="rId2"/>
-          <a:stretch>
-            <a:fillRect/>
-          </a:stretch>
-        </p:blipFill>
-        <p:spPr>
-          <a:xfrm>
-            <a:off x="315468" y="793571"/>
-            <a:ext cx="11071780" cy="1149529"/>
-          </a:xfrm>
-          <a:prstGeom prst="rect">
-            <a:avLst/>
-          </a:prstGeom>
-        </p:spPr>
-      </p:pic>
-      <p:sp>
-        <p:nvSpPr>
-          <p:cNvPr id="2" name="正方形/長方形 1">
-            <a:extLst>
-              <a:ext uri="{FF2B5EF4-FFF2-40B4-BE49-F238E27FC236}">
-                <a16:creationId xmlns:a16="http://schemas.microsoft.com/office/drawing/2014/main" id="{4ADD00A2-636C-17C1-31D5-AD0A721CEFAC}"/>
-              </a:ext>
-            </a:extLst>
-          </p:cNvPr>
-          <p:cNvSpPr/>
-          <p:nvPr/>
-        </p:nvSpPr>
-        <p:spPr>
-          <a:xfrm>
-            <a:off x="5943600" y="806271"/>
-            <a:ext cx="5156200" cy="387529"/>
-          </a:xfrm>
-          <a:prstGeom prst="rect">
-            <a:avLst/>
-          </a:prstGeom>
-          <a:solidFill>
-            <a:schemeClr val="bg1"/>
-          </a:solidFill>
-          <a:ln>
-            <a:solidFill>
-              <a:schemeClr val="bg1"/>
-            </a:solidFill>
-          </a:ln>
-        </p:spPr>
-        <p:style>
-          <a:lnRef idx="2">
-            <a:schemeClr val="accent1">
-              <a:shade val="15000"/>
-            </a:schemeClr>
-          </a:lnRef>
-          <a:fillRef idx="1">
-            <a:schemeClr val="accent1"/>
-          </a:fillRef>
-          <a:effectRef idx="0">
-            <a:schemeClr val="accent1"/>
-          </a:effectRef>
-          <a:fontRef idx="minor">
-            <a:schemeClr val="lt1"/>
-          </a:fontRef>
-        </p:style>
-        <p:txBody>
-          <a:bodyPr rtlCol="0" anchor="ctr"/>
-          <a:lstStyle/>
-          <a:p>
-            <a:pPr algn="ctr"/>
-            <a:endParaRPr kumimoji="1" lang="ja-JP" altLang="en-US"/>
-          </a:p>
-        </p:txBody>
-      </p:sp>
-      <p:sp>
-        <p:nvSpPr>
-          <p:cNvPr id="3" name="テキスト ボックス 2">
-            <a:extLst>
-              <a:ext uri="{FF2B5EF4-FFF2-40B4-BE49-F238E27FC236}">
-                <a16:creationId xmlns:a16="http://schemas.microsoft.com/office/drawing/2014/main" id="{76C76E88-715A-B359-F8B3-B7F381B9DDB3}"/>
-              </a:ext>
-            </a:extLst>
-          </p:cNvPr>
-          <p:cNvSpPr txBox="1"/>
-          <p:nvPr/>
-        </p:nvSpPr>
-        <p:spPr>
-          <a:xfrm>
-            <a:off x="1308100" y="2463800"/>
-            <a:ext cx="6186309" cy="2123658"/>
-          </a:xfrm>
-          <a:prstGeom prst="rect">
-            <a:avLst/>
-          </a:prstGeom>
-          <a:noFill/>
-        </p:spPr>
-        <p:txBody>
-          <a:bodyPr wrap="none" rtlCol="0">
-            <a:spAutoFit/>
-          </a:bodyPr>
-          <a:lstStyle/>
-          <a:p>
-            <a:r>
-              <a:rPr lang="en-US" altLang="ja-JP" b="1" dirty="0">
-                <a:solidFill>
-                  <a:srgbClr val="0070C0"/>
-                </a:solidFill>
-              </a:rPr>
-              <a:t>Excel</a:t>
-            </a:r>
-            <a:r>
-              <a:rPr lang="ja-JP" altLang="en-US" b="1">
-                <a:solidFill>
-                  <a:srgbClr val="0070C0"/>
-                </a:solidFill>
-              </a:rPr>
-              <a:t>の次の値をセルに入れましょう</a:t>
-            </a:r>
-            <a:endParaRPr lang="en-US" altLang="ja-JP" b="1" dirty="0">
-              <a:solidFill>
-                <a:srgbClr val="0070C0"/>
-              </a:solidFill>
-            </a:endParaRPr>
-          </a:p>
-          <a:p>
-            <a:pPr>
-              <a:tabLst>
-                <a:tab pos="1816100" algn="l"/>
-              </a:tabLst>
-            </a:pPr>
-            <a:r>
-              <a:rPr lang="ja-JP" altLang="en-US" b="1"/>
-              <a:t>・有意水準</a:t>
-            </a:r>
-            <a:r>
-              <a:rPr lang="en-US" altLang="ja-JP" dirty="0"/>
-              <a:t>	</a:t>
-            </a:r>
-            <a:r>
-              <a:rPr lang="en-US" altLang="ja-JP" b="1" dirty="0"/>
-              <a:t>0.05</a:t>
-            </a:r>
-            <a:endParaRPr lang="ja-JP" altLang="en-US" b="1"/>
-          </a:p>
-          <a:p>
-            <a:endParaRPr lang="en-US" altLang="ja-JP" dirty="0"/>
-          </a:p>
-          <a:p>
-            <a:r>
-              <a:rPr lang="en-US" altLang="ja-JP" dirty="0"/>
-              <a:t>p</a:t>
-            </a:r>
-            <a:r>
-              <a:rPr lang="ja-JP" altLang="en-US"/>
-              <a:t>値 と 有意水準を </a:t>
-            </a:r>
-            <a:r>
-              <a:rPr lang="ja-JP" altLang="en-US" sz="2000" b="1"/>
-              <a:t>比較</a:t>
-            </a:r>
-            <a:endParaRPr lang="ja-JP" altLang="en-US" b="1"/>
-          </a:p>
-          <a:p>
-            <a:r>
-              <a:rPr lang="ja-JP" altLang="en-US"/>
-              <a:t>判断文を </a:t>
-            </a:r>
-            <a:r>
-              <a:rPr lang="ja-JP" altLang="en-US" sz="2000" b="1"/>
-              <a:t>自分の言葉で完成</a:t>
-            </a:r>
-            <a:r>
-              <a:rPr lang="ja-JP" altLang="en-US" sz="2000"/>
-              <a:t>させましょう</a:t>
-            </a:r>
-            <a:endParaRPr lang="en-US" altLang="ja-JP" sz="2000" dirty="0"/>
-          </a:p>
-          <a:p>
-            <a:endParaRPr kumimoji="1" lang="en-US" altLang="ja-JP" sz="2000" dirty="0"/>
-          </a:p>
-          <a:p>
-            <a:r>
-              <a:rPr lang="ja-JP" altLang="en-US"/>
-              <a:t>仮定した結果がほとんど起きないなら、その仮定を疑う。</a:t>
-            </a:r>
-            <a:endParaRPr kumimoji="1" lang="en-US" altLang="ja-JP" dirty="0"/>
-          </a:p>
-        </p:txBody>
-      </p:sp>
-      <p:sp>
-        <p:nvSpPr>
-          <p:cNvPr id="6" name="テキスト ボックス 5">
-            <a:extLst>
-              <a:ext uri="{FF2B5EF4-FFF2-40B4-BE49-F238E27FC236}">
-                <a16:creationId xmlns:a16="http://schemas.microsoft.com/office/drawing/2014/main" id="{7576934F-B4B4-53B8-E740-69F99CD02671}"/>
-              </a:ext>
-            </a:extLst>
-          </p:cNvPr>
-          <p:cNvSpPr txBox="1"/>
-          <p:nvPr/>
-        </p:nvSpPr>
-        <p:spPr>
-          <a:xfrm>
-            <a:off x="315468" y="163889"/>
-            <a:ext cx="5460149" cy="461665"/>
-          </a:xfrm>
-          <a:prstGeom prst="rect">
-            <a:avLst/>
-          </a:prstGeom>
-          <a:noFill/>
-        </p:spPr>
-        <p:txBody>
-          <a:bodyPr wrap="none" rtlCol="0">
-            <a:spAutoFit/>
-          </a:bodyPr>
-          <a:lstStyle/>
-          <a:p>
-            <a:r>
-              <a:rPr lang="en-US" altLang="ja-JP" sz="2400" b="1" dirty="0"/>
-              <a:t>5.</a:t>
-            </a:r>
-            <a:r>
-              <a:rPr lang="ja-JP" altLang="en-US" sz="2400" b="1"/>
-              <a:t> 判断する（初めて有意水準を出す）</a:t>
-            </a:r>
-            <a:endParaRPr kumimoji="1" lang="ja-JP" altLang="en-US" sz="2400" b="1"/>
-          </a:p>
-        </p:txBody>
-      </p:sp>
-    </p:spTree>
-    <p:extLst>
-      <p:ext uri="{BB962C8B-B14F-4D97-AF65-F5344CB8AC3E}">
-        <p14:creationId xmlns:p14="http://schemas.microsoft.com/office/powerpoint/2010/main" val="4247290161"/>
-      </p:ext>
-    </p:extLst>
-  </p:cSld>
-  <p:clrMapOvr>
-    <a:masterClrMapping/>
-  </p:clrMapOvr>
-</p:sld>
-</file>
-
-<file path=ppt/slides/slide9.xml><?xml version="1.0" encoding="utf-8"?>
-<p:sld xmlns:a="http://schemas.openxmlformats.org/drawingml/2006/main" xmlns:r="http://schemas.openxmlformats.org/officeDocument/2006/relationships" xmlns:p="http://schemas.openxmlformats.org/presentationml/2006/main">
-  <p:cSld>
-    <p:spTree>
-      <p:nvGrpSpPr>
-        <p:cNvPr id="1" name="">
-          <a:extLst>
-            <a:ext uri="{FF2B5EF4-FFF2-40B4-BE49-F238E27FC236}">
-              <a16:creationId xmlns:a16="http://schemas.microsoft.com/office/drawing/2014/main" id="{FCA86CA0-7F23-AA72-F29F-1C6540B51AA7}"/>
-            </a:ext>
-          </a:extLst>
-        </p:cNvPr>
-        <p:cNvGrpSpPr/>
-        <p:nvPr/>
-      </p:nvGrpSpPr>
-      <p:grpSpPr>
-        <a:xfrm>
-          <a:off x="0" y="0"/>
-          <a:ext cx="0" cy="0"/>
-          <a:chOff x="0" y="0"/>
-          <a:chExt cx="0" cy="0"/>
-        </a:xfrm>
-      </p:grpSpPr>
-      <p:pic>
-        <p:nvPicPr>
-          <p:cNvPr id="11" name="図 10">
-            <a:extLst>
-              <a:ext uri="{FF2B5EF4-FFF2-40B4-BE49-F238E27FC236}">
-                <a16:creationId xmlns:a16="http://schemas.microsoft.com/office/drawing/2014/main" id="{4D47CB52-19F0-9372-6500-F86C45B54F6B}"/>
-              </a:ext>
-            </a:extLst>
-          </p:cNvPr>
-          <p:cNvPicPr>
-            <a:picLocks noChangeAspect="1"/>
-          </p:cNvPicPr>
-          <p:nvPr/>
-        </p:nvPicPr>
-        <p:blipFill>
-          <a:blip r:embed="rId2"/>
-          <a:stretch>
-            <a:fillRect/>
-          </a:stretch>
-        </p:blipFill>
-        <p:spPr>
-          <a:xfrm>
-            <a:off x="315468" y="793571"/>
-            <a:ext cx="11071780" cy="1149529"/>
-          </a:xfrm>
-          <a:prstGeom prst="rect">
-            <a:avLst/>
-          </a:prstGeom>
-        </p:spPr>
-      </p:pic>
-      <p:sp>
-        <p:nvSpPr>
-          <p:cNvPr id="2" name="正方形/長方形 1">
-            <a:extLst>
-              <a:ext uri="{FF2B5EF4-FFF2-40B4-BE49-F238E27FC236}">
-                <a16:creationId xmlns:a16="http://schemas.microsoft.com/office/drawing/2014/main" id="{6759FAEC-A629-172A-0AA0-E269B82C8191}"/>
-              </a:ext>
-            </a:extLst>
-          </p:cNvPr>
-          <p:cNvSpPr/>
-          <p:nvPr/>
-        </p:nvSpPr>
-        <p:spPr>
-          <a:xfrm>
-            <a:off x="5943600" y="806271"/>
-            <a:ext cx="5156200" cy="387529"/>
-          </a:xfrm>
-          <a:prstGeom prst="rect">
-            <a:avLst/>
-          </a:prstGeom>
-          <a:solidFill>
-            <a:schemeClr val="bg1"/>
-          </a:solidFill>
-          <a:ln>
-            <a:solidFill>
-              <a:schemeClr val="bg1"/>
-            </a:solidFill>
-          </a:ln>
-        </p:spPr>
-        <p:style>
-          <a:lnRef idx="2">
-            <a:schemeClr val="accent1">
-              <a:shade val="15000"/>
-            </a:schemeClr>
-          </a:lnRef>
-          <a:fillRef idx="1">
-            <a:schemeClr val="accent1"/>
-          </a:fillRef>
-          <a:effectRef idx="0">
-            <a:schemeClr val="accent1"/>
-          </a:effectRef>
-          <a:fontRef idx="minor">
-            <a:schemeClr val="lt1"/>
-          </a:fontRef>
-        </p:style>
-        <p:txBody>
-          <a:bodyPr rtlCol="0" anchor="ctr"/>
-          <a:lstStyle/>
-          <a:p>
-            <a:pPr algn="ctr"/>
-            <a:endParaRPr kumimoji="1" lang="ja-JP" altLang="en-US"/>
-          </a:p>
-        </p:txBody>
-      </p:sp>
-      <p:sp>
-        <p:nvSpPr>
-          <p:cNvPr id="3" name="テキスト ボックス 2">
-            <a:extLst>
-              <a:ext uri="{FF2B5EF4-FFF2-40B4-BE49-F238E27FC236}">
-                <a16:creationId xmlns:a16="http://schemas.microsoft.com/office/drawing/2014/main" id="{D221A93B-80FC-6EED-B0DB-F215659F1976}"/>
-              </a:ext>
-            </a:extLst>
-          </p:cNvPr>
-          <p:cNvSpPr txBox="1"/>
-          <p:nvPr/>
-        </p:nvSpPr>
-        <p:spPr>
-          <a:xfrm>
-            <a:off x="1308100" y="2463800"/>
-            <a:ext cx="8675773" cy="2308324"/>
-          </a:xfrm>
-          <a:prstGeom prst="rect">
-            <a:avLst/>
-          </a:prstGeom>
-          <a:noFill/>
-        </p:spPr>
-        <p:txBody>
-          <a:bodyPr wrap="none" rtlCol="0">
-            <a:spAutoFit/>
-          </a:bodyPr>
-          <a:lstStyle/>
-          <a:p>
-            <a:r>
-              <a:rPr lang="en-US" altLang="ja-JP" dirty="0"/>
-              <a:t>p</a:t>
-            </a:r>
-            <a:r>
-              <a:rPr lang="ja-JP" altLang="en-US"/>
-              <a:t>値と有意水準の比較</a:t>
-            </a:r>
-          </a:p>
-          <a:p>
-            <a:endParaRPr lang="ja-JP" altLang="en-US"/>
-          </a:p>
-          <a:p>
-            <a:r>
-              <a:rPr lang="ja-JP" altLang="en-US"/>
-              <a:t>帰無仮説を棄却</a:t>
-            </a:r>
-          </a:p>
-          <a:p>
-            <a:endParaRPr lang="ja-JP" altLang="en-US"/>
-          </a:p>
-          <a:p>
-            <a:r>
-              <a:rPr lang="ja-JP" altLang="en-US"/>
-              <a:t>これは、「フライドポテトの平均重量が公表値 </a:t>
-            </a:r>
-            <a:r>
-              <a:rPr lang="en-US" altLang="ja-JP" dirty="0"/>
-              <a:t>135g </a:t>
-            </a:r>
-            <a:r>
-              <a:rPr lang="ja-JP" altLang="en-US"/>
-              <a:t>である」と仮定した場合に、</a:t>
-            </a:r>
-          </a:p>
-          <a:p>
-            <a:r>
-              <a:rPr lang="ja-JP" altLang="en-US"/>
-              <a:t>今回のような標本平均が得られる確率が</a:t>
-            </a:r>
-            <a:r>
-              <a:rPr lang="en-US" altLang="ja-JP" dirty="0"/>
-              <a:t>5%</a:t>
-            </a:r>
-            <a:r>
-              <a:rPr lang="ja-JP" altLang="en-US"/>
-              <a:t>よりも小さいことを意味する。</a:t>
-            </a:r>
-          </a:p>
-          <a:p>
-            <a:r>
-              <a:rPr lang="ja-JP" altLang="en-US"/>
-              <a:t>つまり、この結果は偶然としては非常に起こりにくいと判断できる。</a:t>
-            </a:r>
-          </a:p>
-          <a:p>
-            <a:r>
-              <a:rPr lang="ja-JP" altLang="en-US"/>
-              <a:t>したがって、この店のポテトは公表値</a:t>
-            </a:r>
-            <a:r>
-              <a:rPr lang="en-US" altLang="ja-JP" dirty="0"/>
-              <a:t>135g</a:t>
-            </a:r>
-            <a:r>
-              <a:rPr lang="ja-JP" altLang="en-US"/>
-              <a:t>どおりとは言えない。</a:t>
-            </a:r>
-            <a:endParaRPr kumimoji="1" lang="en-US" altLang="ja-JP" dirty="0"/>
-          </a:p>
-        </p:txBody>
-      </p:sp>
-      <p:sp>
-        <p:nvSpPr>
-          <p:cNvPr id="5" name="テキスト ボックス 4">
-            <a:extLst>
-              <a:ext uri="{FF2B5EF4-FFF2-40B4-BE49-F238E27FC236}">
-                <a16:creationId xmlns:a16="http://schemas.microsoft.com/office/drawing/2014/main" id="{1E217563-7877-9C22-1102-1D7CC0B1019F}"/>
-              </a:ext>
-            </a:extLst>
-          </p:cNvPr>
-          <p:cNvSpPr txBox="1"/>
-          <p:nvPr/>
-        </p:nvSpPr>
-        <p:spPr>
-          <a:xfrm>
-            <a:off x="315468" y="163889"/>
-            <a:ext cx="1766830" cy="461665"/>
-          </a:xfrm>
-          <a:prstGeom prst="rect">
-            <a:avLst/>
-          </a:prstGeom>
-          <a:noFill/>
-        </p:spPr>
-        <p:txBody>
-          <a:bodyPr wrap="none" rtlCol="0">
-            <a:spAutoFit/>
-          </a:bodyPr>
-          <a:lstStyle/>
-          <a:p>
-            <a:r>
-              <a:rPr lang="en-US" altLang="ja-JP" sz="2400" b="1" dirty="0"/>
-              <a:t>6.</a:t>
-            </a:r>
-            <a:r>
-              <a:rPr lang="ja-JP" altLang="en-US" sz="2400" b="1"/>
-              <a:t> 最終判断</a:t>
-            </a:r>
-            <a:endParaRPr kumimoji="1" lang="ja-JP" altLang="en-US" sz="2400" b="1"/>
-          </a:p>
-        </p:txBody>
-      </p:sp>
-    </p:spTree>
-    <p:extLst>
-      <p:ext uri="{BB962C8B-B14F-4D97-AF65-F5344CB8AC3E}">
-        <p14:creationId xmlns:p14="http://schemas.microsoft.com/office/powerpoint/2010/main" val="3587839910"/>
       </p:ext>
     </p:extLst>
   </p:cSld>

--- a/10/images/プレゼンテーション1.pptx
+++ b/10/images/プレゼンテーション1.pptx
@@ -5,20 +5,21 @@
     <p:sldMasterId id="2147483648" r:id="rId1"/>
   </p:sldMasterIdLst>
   <p:notesMasterIdLst>
-    <p:notesMasterId r:id="rId13"/>
+    <p:notesMasterId r:id="rId14"/>
   </p:notesMasterIdLst>
   <p:sldIdLst>
     <p:sldId id="256" r:id="rId2"/>
     <p:sldId id="267" r:id="rId3"/>
-    <p:sldId id="268" r:id="rId4"/>
-    <p:sldId id="257" r:id="rId5"/>
-    <p:sldId id="259" r:id="rId6"/>
-    <p:sldId id="260" r:id="rId7"/>
-    <p:sldId id="266" r:id="rId8"/>
-    <p:sldId id="261" r:id="rId9"/>
-    <p:sldId id="262" r:id="rId10"/>
-    <p:sldId id="263" r:id="rId11"/>
-    <p:sldId id="265" r:id="rId12"/>
+    <p:sldId id="269" r:id="rId4"/>
+    <p:sldId id="268" r:id="rId5"/>
+    <p:sldId id="257" r:id="rId6"/>
+    <p:sldId id="259" r:id="rId7"/>
+    <p:sldId id="260" r:id="rId8"/>
+    <p:sldId id="266" r:id="rId9"/>
+    <p:sldId id="261" r:id="rId10"/>
+    <p:sldId id="262" r:id="rId11"/>
+    <p:sldId id="263" r:id="rId12"/>
+    <p:sldId id="265" r:id="rId13"/>
   </p:sldIdLst>
   <p:sldSz cx="12192000" cy="6858000"/>
   <p:notesSz cx="6858000" cy="9144000"/>
@@ -207,7 +208,7 @@
           <a:p>
             <a:fld id="{FB960E1F-E99D-0145-802D-844E0AB5A000}" type="datetimeFigureOut">
               <a:rPr kumimoji="1" lang="ja-JP" altLang="en-US" smtClean="0"/>
-              <a:t>2026/1/2</a:t>
+              <a:t>2026/1/7</a:t>
             </a:fld>
             <a:endParaRPr kumimoji="1" lang="ja-JP" altLang="en-US"/>
           </a:p>
@@ -571,7 +572,7 @@
           <a:p>
             <a:fld id="{7602491C-1C02-9E4E-BB70-388EA268EDCB}" type="slidenum">
               <a:rPr kumimoji="1" lang="ja-JP" altLang="en-US" smtClean="0"/>
-              <a:t>5</a:t>
+              <a:t>6</a:t>
             </a:fld>
             <a:endParaRPr kumimoji="1" lang="ja-JP" altLang="en-US"/>
           </a:p>
@@ -737,7 +738,7 @@
           <a:p>
             <a:fld id="{2E0D8C9A-FBDC-C84F-80DF-4E0DE73F20B1}" type="datetimeFigureOut">
               <a:rPr kumimoji="1" lang="ja-JP" altLang="en-US" smtClean="0"/>
-              <a:t>2026/1/2</a:t>
+              <a:t>2026/1/7</a:t>
             </a:fld>
             <a:endParaRPr kumimoji="1" lang="ja-JP" altLang="en-US"/>
           </a:p>
@@ -967,7 +968,7 @@
           <a:p>
             <a:fld id="{2E0D8C9A-FBDC-C84F-80DF-4E0DE73F20B1}" type="datetimeFigureOut">
               <a:rPr kumimoji="1" lang="ja-JP" altLang="en-US" smtClean="0"/>
-              <a:t>2026/1/2</a:t>
+              <a:t>2026/1/7</a:t>
             </a:fld>
             <a:endParaRPr kumimoji="1" lang="ja-JP" altLang="en-US"/>
           </a:p>
@@ -1207,7 +1208,7 @@
           <a:p>
             <a:fld id="{2E0D8C9A-FBDC-C84F-80DF-4E0DE73F20B1}" type="datetimeFigureOut">
               <a:rPr kumimoji="1" lang="ja-JP" altLang="en-US" smtClean="0"/>
-              <a:t>2026/1/2</a:t>
+              <a:t>2026/1/7</a:t>
             </a:fld>
             <a:endParaRPr kumimoji="1" lang="ja-JP" altLang="en-US"/>
           </a:p>
@@ -1437,7 +1438,7 @@
           <a:p>
             <a:fld id="{2E0D8C9A-FBDC-C84F-80DF-4E0DE73F20B1}" type="datetimeFigureOut">
               <a:rPr kumimoji="1" lang="ja-JP" altLang="en-US" smtClean="0"/>
-              <a:t>2026/1/2</a:t>
+              <a:t>2026/1/7</a:t>
             </a:fld>
             <a:endParaRPr kumimoji="1" lang="ja-JP" altLang="en-US"/>
           </a:p>
@@ -1712,7 +1713,7 @@
           <a:p>
             <a:fld id="{2E0D8C9A-FBDC-C84F-80DF-4E0DE73F20B1}" type="datetimeFigureOut">
               <a:rPr kumimoji="1" lang="ja-JP" altLang="en-US" smtClean="0"/>
-              <a:t>2026/1/2</a:t>
+              <a:t>2026/1/7</a:t>
             </a:fld>
             <a:endParaRPr kumimoji="1" lang="ja-JP" altLang="en-US"/>
           </a:p>
@@ -2041,7 +2042,7 @@
           <a:p>
             <a:fld id="{2E0D8C9A-FBDC-C84F-80DF-4E0DE73F20B1}" type="datetimeFigureOut">
               <a:rPr kumimoji="1" lang="ja-JP" altLang="en-US" smtClean="0"/>
-              <a:t>2026/1/2</a:t>
+              <a:t>2026/1/7</a:t>
             </a:fld>
             <a:endParaRPr kumimoji="1" lang="ja-JP" altLang="en-US"/>
           </a:p>
@@ -2517,7 +2518,7 @@
           <a:p>
             <a:fld id="{2E0D8C9A-FBDC-C84F-80DF-4E0DE73F20B1}" type="datetimeFigureOut">
               <a:rPr kumimoji="1" lang="ja-JP" altLang="en-US" smtClean="0"/>
-              <a:t>2026/1/2</a:t>
+              <a:t>2026/1/7</a:t>
             </a:fld>
             <a:endParaRPr kumimoji="1" lang="ja-JP" altLang="en-US"/>
           </a:p>
@@ -2658,7 +2659,7 @@
           <a:p>
             <a:fld id="{2E0D8C9A-FBDC-C84F-80DF-4E0DE73F20B1}" type="datetimeFigureOut">
               <a:rPr kumimoji="1" lang="ja-JP" altLang="en-US" smtClean="0"/>
-              <a:t>2026/1/2</a:t>
+              <a:t>2026/1/7</a:t>
             </a:fld>
             <a:endParaRPr kumimoji="1" lang="ja-JP" altLang="en-US"/>
           </a:p>
@@ -2771,7 +2772,7 @@
           <a:p>
             <a:fld id="{2E0D8C9A-FBDC-C84F-80DF-4E0DE73F20B1}" type="datetimeFigureOut">
               <a:rPr kumimoji="1" lang="ja-JP" altLang="en-US" smtClean="0"/>
-              <a:t>2026/1/2</a:t>
+              <a:t>2026/1/7</a:t>
             </a:fld>
             <a:endParaRPr kumimoji="1" lang="ja-JP" altLang="en-US"/>
           </a:p>
@@ -3114,7 +3115,7 @@
           <a:p>
             <a:fld id="{2E0D8C9A-FBDC-C84F-80DF-4E0DE73F20B1}" type="datetimeFigureOut">
               <a:rPr kumimoji="1" lang="ja-JP" altLang="en-US" smtClean="0"/>
-              <a:t>2026/1/2</a:t>
+              <a:t>2026/1/7</a:t>
             </a:fld>
             <a:endParaRPr kumimoji="1" lang="ja-JP" altLang="en-US"/>
           </a:p>
@@ -3402,7 +3403,7 @@
           <a:p>
             <a:fld id="{2E0D8C9A-FBDC-C84F-80DF-4E0DE73F20B1}" type="datetimeFigureOut">
               <a:rPr kumimoji="1" lang="ja-JP" altLang="en-US" smtClean="0"/>
-              <a:t>2026/1/2</a:t>
+              <a:t>2026/1/7</a:t>
             </a:fld>
             <a:endParaRPr kumimoji="1" lang="ja-JP" altLang="en-US"/>
           </a:p>
@@ -3675,7 +3676,7 @@
           <a:p>
             <a:fld id="{2E0D8C9A-FBDC-C84F-80DF-4E0DE73F20B1}" type="datetimeFigureOut">
               <a:rPr kumimoji="1" lang="ja-JP" altLang="en-US" smtClean="0"/>
-              <a:t>2026/1/2</a:t>
+              <a:t>2026/1/7</a:t>
             </a:fld>
             <a:endParaRPr kumimoji="1" lang="ja-JP" altLang="en-US"/>
           </a:p>
@@ -4230,6 +4231,41 @@
           </a:p>
         </p:txBody>
       </p:sp>
+      <p:sp>
+        <p:nvSpPr>
+          <p:cNvPr id="2" name="テキスト ボックス 1">
+            <a:extLst>
+              <a:ext uri="{FF2B5EF4-FFF2-40B4-BE49-F238E27FC236}">
+                <a16:creationId xmlns:a16="http://schemas.microsoft.com/office/drawing/2014/main" id="{399A5864-8041-1BE8-81DA-9C3C9D3049A1}"/>
+              </a:ext>
+            </a:extLst>
+          </p:cNvPr>
+          <p:cNvSpPr txBox="1"/>
+          <p:nvPr/>
+        </p:nvSpPr>
+        <p:spPr>
+          <a:xfrm>
+            <a:off x="5519057" y="915304"/>
+            <a:ext cx="415498" cy="369332"/>
+          </a:xfrm>
+          <a:prstGeom prst="rect">
+            <a:avLst/>
+          </a:prstGeom>
+          <a:noFill/>
+        </p:spPr>
+        <p:txBody>
+          <a:bodyPr wrap="none" rtlCol="0">
+            <a:spAutoFit/>
+          </a:bodyPr>
+          <a:lstStyle/>
+          <a:p>
+            <a:r>
+              <a:rPr kumimoji="1" lang="ja-JP" altLang="en-US"/>
+              <a:t>●</a:t>
+            </a:r>
+          </a:p>
+        </p:txBody>
+      </p:sp>
     </p:spTree>
     <p:extLst>
       <p:ext uri="{BB962C8B-B14F-4D97-AF65-F5344CB8AC3E}">
@@ -4244,6 +4280,390 @@
 </file>
 
 <file path=ppt/slides/slide10.xml><?xml version="1.0" encoding="utf-8"?>
+<p:sld xmlns:a="http://schemas.openxmlformats.org/drawingml/2006/main" xmlns:r="http://schemas.openxmlformats.org/officeDocument/2006/relationships" xmlns:p="http://schemas.openxmlformats.org/presentationml/2006/main">
+  <p:cSld>
+    <p:spTree>
+      <p:nvGrpSpPr>
+        <p:cNvPr id="1" name="">
+          <a:extLst>
+            <a:ext uri="{FF2B5EF4-FFF2-40B4-BE49-F238E27FC236}">
+              <a16:creationId xmlns:a16="http://schemas.microsoft.com/office/drawing/2014/main" id="{795C3D5A-9BB9-EE9F-BE19-EBB4E6B2F78C}"/>
+            </a:ext>
+          </a:extLst>
+        </p:cNvPr>
+        <p:cNvGrpSpPr/>
+        <p:nvPr/>
+      </p:nvGrpSpPr>
+      <p:grpSpPr>
+        <a:xfrm>
+          <a:off x="0" y="0"/>
+          <a:ext cx="0" cy="0"/>
+          <a:chOff x="0" y="0"/>
+          <a:chExt cx="0" cy="0"/>
+        </a:xfrm>
+      </p:grpSpPr>
+      <p:pic>
+        <p:nvPicPr>
+          <p:cNvPr id="11" name="図 10">
+            <a:extLst>
+              <a:ext uri="{FF2B5EF4-FFF2-40B4-BE49-F238E27FC236}">
+                <a16:creationId xmlns:a16="http://schemas.microsoft.com/office/drawing/2014/main" id="{4B97C5AB-733A-95E8-4E2B-482669D78797}"/>
+              </a:ext>
+            </a:extLst>
+          </p:cNvPr>
+          <p:cNvPicPr>
+            <a:picLocks noChangeAspect="1"/>
+          </p:cNvPicPr>
+          <p:nvPr/>
+        </p:nvPicPr>
+        <p:blipFill>
+          <a:blip r:embed="rId2"/>
+          <a:stretch>
+            <a:fillRect/>
+          </a:stretch>
+        </p:blipFill>
+        <p:spPr>
+          <a:xfrm>
+            <a:off x="315468" y="793571"/>
+            <a:ext cx="11071780" cy="1149529"/>
+          </a:xfrm>
+          <a:prstGeom prst="rect">
+            <a:avLst/>
+          </a:prstGeom>
+        </p:spPr>
+      </p:pic>
+      <p:sp>
+        <p:nvSpPr>
+          <p:cNvPr id="2" name="正方形/長方形 1">
+            <a:extLst>
+              <a:ext uri="{FF2B5EF4-FFF2-40B4-BE49-F238E27FC236}">
+                <a16:creationId xmlns:a16="http://schemas.microsoft.com/office/drawing/2014/main" id="{8C21BF23-2FD6-9033-CDC7-A1A0B3B6AD25}"/>
+              </a:ext>
+            </a:extLst>
+          </p:cNvPr>
+          <p:cNvSpPr/>
+          <p:nvPr/>
+        </p:nvSpPr>
+        <p:spPr>
+          <a:xfrm>
+            <a:off x="5943600" y="806271"/>
+            <a:ext cx="5156200" cy="387529"/>
+          </a:xfrm>
+          <a:prstGeom prst="rect">
+            <a:avLst/>
+          </a:prstGeom>
+          <a:solidFill>
+            <a:schemeClr val="bg1"/>
+          </a:solidFill>
+          <a:ln>
+            <a:solidFill>
+              <a:schemeClr val="bg1"/>
+            </a:solidFill>
+          </a:ln>
+        </p:spPr>
+        <p:style>
+          <a:lnRef idx="2">
+            <a:schemeClr val="accent1">
+              <a:shade val="15000"/>
+            </a:schemeClr>
+          </a:lnRef>
+          <a:fillRef idx="1">
+            <a:schemeClr val="accent1"/>
+          </a:fillRef>
+          <a:effectRef idx="0">
+            <a:schemeClr val="accent1"/>
+          </a:effectRef>
+          <a:fontRef idx="minor">
+            <a:schemeClr val="lt1"/>
+          </a:fontRef>
+        </p:style>
+        <p:txBody>
+          <a:bodyPr rtlCol="0" anchor="ctr"/>
+          <a:lstStyle/>
+          <a:p>
+            <a:pPr algn="ctr"/>
+            <a:endParaRPr kumimoji="1" lang="ja-JP" altLang="en-US"/>
+          </a:p>
+        </p:txBody>
+      </p:sp>
+      <p:sp>
+        <p:nvSpPr>
+          <p:cNvPr id="3" name="テキスト ボックス 2">
+            <a:extLst>
+              <a:ext uri="{FF2B5EF4-FFF2-40B4-BE49-F238E27FC236}">
+                <a16:creationId xmlns:a16="http://schemas.microsoft.com/office/drawing/2014/main" id="{377F2F6A-EB03-ED06-EB77-CD34573885C1}"/>
+              </a:ext>
+            </a:extLst>
+          </p:cNvPr>
+          <p:cNvSpPr txBox="1"/>
+          <p:nvPr/>
+        </p:nvSpPr>
+        <p:spPr>
+          <a:xfrm>
+            <a:off x="1308100" y="2463800"/>
+            <a:ext cx="7656263" cy="1785104"/>
+          </a:xfrm>
+          <a:prstGeom prst="rect">
+            <a:avLst/>
+          </a:prstGeom>
+          <a:noFill/>
+        </p:spPr>
+        <p:txBody>
+          <a:bodyPr wrap="none" rtlCol="0">
+            <a:spAutoFit/>
+          </a:bodyPr>
+          <a:lstStyle/>
+          <a:p>
+            <a:r>
+              <a:rPr lang="en-US" altLang="ja-JP" b="1" dirty="0">
+                <a:solidFill>
+                  <a:srgbClr val="0070C0"/>
+                </a:solidFill>
+              </a:rPr>
+              <a:t>Excel</a:t>
+            </a:r>
+            <a:r>
+              <a:rPr lang="ja-JP" altLang="en-US" b="1">
+                <a:solidFill>
+                  <a:srgbClr val="0070C0"/>
+                </a:solidFill>
+              </a:rPr>
+              <a:t>の次の値をセルに入れましょう</a:t>
+            </a:r>
+            <a:endParaRPr lang="en-US" altLang="ja-JP" b="1" dirty="0">
+              <a:solidFill>
+                <a:srgbClr val="0070C0"/>
+              </a:solidFill>
+            </a:endParaRPr>
+          </a:p>
+          <a:p>
+            <a:pPr>
+              <a:tabLst>
+                <a:tab pos="1816100" algn="l"/>
+              </a:tabLst>
+            </a:pPr>
+            <a:r>
+              <a:rPr lang="ja-JP" altLang="en-US" b="1"/>
+              <a:t>・</a:t>
+            </a:r>
+            <a:r>
+              <a:rPr lang="en" altLang="ja-JP" dirty="0"/>
+              <a:t>【</a:t>
+            </a:r>
+            <a:r>
+              <a:rPr lang="en" altLang="ja-JP" b="1" dirty="0"/>
+              <a:t>p</a:t>
+            </a:r>
+            <a:r>
+              <a:rPr lang="ja-JP" altLang="en-US" b="1"/>
+              <a:t>値</a:t>
+            </a:r>
+            <a:r>
+              <a:rPr lang="en-US" altLang="ja-JP" b="1" dirty="0"/>
+              <a:t>(</a:t>
+            </a:r>
+            <a:r>
+              <a:rPr lang="ja-JP" altLang="en-US" b="1"/>
+              <a:t>両側</a:t>
+            </a:r>
+            <a:r>
+              <a:rPr lang="en-US" altLang="ja-JP" b="1" dirty="0"/>
+              <a:t>)</a:t>
+            </a:r>
+            <a:r>
+              <a:rPr lang="en-US" altLang="ja-JP" dirty="0"/>
+              <a:t>】	</a:t>
+            </a:r>
+            <a:r>
+              <a:rPr lang="en-US" altLang="ja-JP" b="1" dirty="0"/>
+              <a:t>0.0084</a:t>
+            </a:r>
+            <a:endParaRPr lang="ja-JP" altLang="en-US" b="1"/>
+          </a:p>
+          <a:p>
+            <a:endParaRPr lang="en-US" altLang="ja-JP" dirty="0"/>
+          </a:p>
+          <a:p>
+            <a:r>
+              <a:rPr lang="ja-JP" altLang="en-US"/>
+              <a:t>この </a:t>
+            </a:r>
+            <a:r>
+              <a:rPr lang="en" altLang="ja-JP" dirty="0"/>
+              <a:t>p</a:t>
+            </a:r>
+            <a:r>
+              <a:rPr lang="ja-JP" altLang="en-US"/>
+              <a:t>値は、「</a:t>
+            </a:r>
+            <a:r>
+              <a:rPr lang="en-US" altLang="ja-JP" dirty="0"/>
+              <a:t>135</a:t>
+            </a:r>
+            <a:r>
+              <a:rPr lang="en" altLang="ja-JP" dirty="0"/>
+              <a:t>g </a:t>
+            </a:r>
+            <a:r>
+              <a:rPr lang="ja-JP" altLang="en-US"/>
+              <a:t>だと仮定したとき、これくらいズレる確率」です。</a:t>
+            </a:r>
+            <a:endParaRPr lang="en-US" altLang="ja-JP" dirty="0"/>
+          </a:p>
+          <a:p>
+            <a:endParaRPr kumimoji="1" lang="en-US" altLang="ja-JP" dirty="0"/>
+          </a:p>
+          <a:p>
+            <a:r>
+              <a:rPr lang="en-US" altLang="ja-JP" sz="2000" b="1" dirty="0"/>
+              <a:t>0.8% </a:t>
+            </a:r>
+            <a:r>
+              <a:rPr lang="ja-JP" altLang="en-US"/>
+              <a:t>って、</a:t>
+            </a:r>
+            <a:r>
+              <a:rPr lang="ja-JP" altLang="en-US" b="1">
+                <a:solidFill>
+                  <a:srgbClr val="C00000"/>
+                </a:solidFill>
+              </a:rPr>
+              <a:t>多い</a:t>
+            </a:r>
+            <a:r>
+              <a:rPr lang="ja-JP" altLang="en-US"/>
+              <a:t>？</a:t>
+            </a:r>
+            <a:r>
+              <a:rPr lang="ja-JP" altLang="en-US" b="1">
+                <a:solidFill>
+                  <a:srgbClr val="C00000"/>
+                </a:solidFill>
+              </a:rPr>
+              <a:t>少ない</a:t>
+            </a:r>
+            <a:r>
+              <a:rPr lang="ja-JP" altLang="en-US"/>
+              <a:t>？</a:t>
+            </a:r>
+            <a:endParaRPr kumimoji="1" lang="ja-JP" altLang="en-US"/>
+          </a:p>
+        </p:txBody>
+      </p:sp>
+      <p:sp>
+        <p:nvSpPr>
+          <p:cNvPr id="4" name="テキスト ボックス 3">
+            <a:extLst>
+              <a:ext uri="{FF2B5EF4-FFF2-40B4-BE49-F238E27FC236}">
+                <a16:creationId xmlns:a16="http://schemas.microsoft.com/office/drawing/2014/main" id="{299D278B-ADDD-FD37-15B8-7226C9B4E4DC}"/>
+              </a:ext>
+            </a:extLst>
+          </p:cNvPr>
+          <p:cNvSpPr txBox="1"/>
+          <p:nvPr/>
+        </p:nvSpPr>
+        <p:spPr>
+          <a:xfrm>
+            <a:off x="2336800" y="5041900"/>
+            <a:ext cx="4812536" cy="369332"/>
+          </a:xfrm>
+          <a:prstGeom prst="rect">
+            <a:avLst/>
+          </a:prstGeom>
+          <a:noFill/>
+        </p:spPr>
+        <p:txBody>
+          <a:bodyPr wrap="none" rtlCol="0">
+            <a:spAutoFit/>
+          </a:bodyPr>
+          <a:lstStyle/>
+          <a:p>
+            <a:r>
+              <a:rPr kumimoji="1" lang="en-US" altLang="ja-JP" dirty="0"/>
+              <a:t>p</a:t>
+            </a:r>
+            <a:r>
+              <a:rPr kumimoji="1" lang="ja-JP" altLang="en-US"/>
+              <a:t>値</a:t>
+            </a:r>
+            <a:r>
+              <a:rPr lang="en-US" altLang="ja-JP" dirty="0"/>
+              <a:t> = 2*(1-NORM.S.DIST(ABS(z</a:t>
+            </a:r>
+            <a:r>
+              <a:rPr lang="ja-JP" altLang="en-US"/>
+              <a:t>値</a:t>
+            </a:r>
+            <a:r>
+              <a:rPr lang="en-US" altLang="ja-JP" dirty="0"/>
+              <a:t>),TRUE))</a:t>
+            </a:r>
+            <a:endParaRPr kumimoji="1" lang="ja-JP" altLang="en-US"/>
+          </a:p>
+        </p:txBody>
+      </p:sp>
+      <p:sp>
+        <p:nvSpPr>
+          <p:cNvPr id="5" name="テキスト ボックス 4">
+            <a:extLst>
+              <a:ext uri="{FF2B5EF4-FFF2-40B4-BE49-F238E27FC236}">
+                <a16:creationId xmlns:a16="http://schemas.microsoft.com/office/drawing/2014/main" id="{6FBC6AA1-F7F8-CD27-F3D0-B3CC1C6CF965}"/>
+              </a:ext>
+            </a:extLst>
+          </p:cNvPr>
+          <p:cNvSpPr txBox="1"/>
+          <p:nvPr/>
+        </p:nvSpPr>
+        <p:spPr>
+          <a:xfrm>
+            <a:off x="315468" y="163889"/>
+            <a:ext cx="5638082" cy="461665"/>
+          </a:xfrm>
+          <a:prstGeom prst="rect">
+            <a:avLst/>
+          </a:prstGeom>
+          <a:noFill/>
+        </p:spPr>
+        <p:txBody>
+          <a:bodyPr wrap="none" rtlCol="0">
+            <a:spAutoFit/>
+          </a:bodyPr>
+          <a:lstStyle/>
+          <a:p>
+            <a:r>
+              <a:rPr lang="en-US" altLang="ja-JP" sz="2400" b="1" dirty="0"/>
+              <a:t>4.</a:t>
+            </a:r>
+            <a:r>
+              <a:rPr lang="ja-JP" altLang="en-US" sz="2400" b="1"/>
+              <a:t> </a:t>
+            </a:r>
+            <a:r>
+              <a:rPr lang="en" altLang="ja-JP" sz="2400" b="1" dirty="0"/>
+              <a:t>p</a:t>
+            </a:r>
+            <a:r>
+              <a:rPr lang="ja-JP" altLang="en-US" sz="2400" b="1"/>
+              <a:t>値を初めて出す（珍しさを確率に）</a:t>
+            </a:r>
+            <a:endParaRPr kumimoji="1" lang="ja-JP" altLang="en-US" sz="2400" b="1"/>
+          </a:p>
+        </p:txBody>
+      </p:sp>
+    </p:spTree>
+    <p:extLst>
+      <p:ext uri="{BB962C8B-B14F-4D97-AF65-F5344CB8AC3E}">
+        <p14:creationId xmlns:p14="http://schemas.microsoft.com/office/powerpoint/2010/main" val="2391344614"/>
+      </p:ext>
+    </p:extLst>
+  </p:cSld>
+  <p:clrMapOvr>
+    <a:masterClrMapping/>
+  </p:clrMapOvr>
+</p:sld>
+</file>
+
+<file path=ppt/slides/slide11.xml><?xml version="1.0" encoding="utf-8"?>
 <p:sld xmlns:a="http://schemas.openxmlformats.org/drawingml/2006/main" xmlns:r="http://schemas.openxmlformats.org/officeDocument/2006/relationships" xmlns:p="http://schemas.openxmlformats.org/presentationml/2006/main">
   <p:cSld>
     <p:spTree>
@@ -4518,7 +4938,7 @@
 </p:sld>
 </file>
 
-<file path=ppt/slides/slide11.xml><?xml version="1.0" encoding="utf-8"?>
+<file path=ppt/slides/slide12.xml><?xml version="1.0" encoding="utf-8"?>
 <p:sld xmlns:a="http://schemas.openxmlformats.org/drawingml/2006/main" xmlns:r="http://schemas.openxmlformats.org/officeDocument/2006/relationships" xmlns:p="http://schemas.openxmlformats.org/presentationml/2006/main">
   <p:cSld>
     <p:spTree>
@@ -5155,6 +5575,55 @@
           </a:prstGeom>
         </p:spPr>
       </p:pic>
+      <p:sp>
+        <p:nvSpPr>
+          <p:cNvPr id="2" name="正方形/長方形 1">
+            <a:extLst>
+              <a:ext uri="{FF2B5EF4-FFF2-40B4-BE49-F238E27FC236}">
+                <a16:creationId xmlns:a16="http://schemas.microsoft.com/office/drawing/2014/main" id="{4082D397-1BEC-4EFD-50F4-184FF9AAFD5E}"/>
+              </a:ext>
+            </a:extLst>
+          </p:cNvPr>
+          <p:cNvSpPr/>
+          <p:nvPr/>
+        </p:nvSpPr>
+        <p:spPr>
+          <a:xfrm>
+            <a:off x="1066800" y="5519057"/>
+            <a:ext cx="4517571" cy="1001486"/>
+          </a:xfrm>
+          <a:prstGeom prst="rect">
+            <a:avLst/>
+          </a:prstGeom>
+          <a:solidFill>
+            <a:srgbClr val="FFFD78"/>
+          </a:solidFill>
+        </p:spPr>
+        <p:style>
+          <a:lnRef idx="2">
+            <a:schemeClr val="accent1">
+              <a:shade val="15000"/>
+            </a:schemeClr>
+          </a:lnRef>
+          <a:fillRef idx="1">
+            <a:schemeClr val="accent1"/>
+          </a:fillRef>
+          <a:effectRef idx="0">
+            <a:schemeClr val="accent1"/>
+          </a:effectRef>
+          <a:fontRef idx="minor">
+            <a:schemeClr val="lt1"/>
+          </a:fontRef>
+        </p:style>
+        <p:txBody>
+          <a:bodyPr rtlCol="0" anchor="ctr"/>
+          <a:lstStyle/>
+          <a:p>
+            <a:pPr algn="ctr"/>
+            <a:endParaRPr kumimoji="1" lang="ja-JP" altLang="en-US"/>
+          </a:p>
+        </p:txBody>
+      </p:sp>
     </p:spTree>
     <p:extLst>
       <p:ext uri="{BB962C8B-B14F-4D97-AF65-F5344CB8AC3E}">
@@ -5169,6 +5638,681 @@
 </file>
 
 <file path=ppt/slides/slide3.xml><?xml version="1.0" encoding="utf-8"?>
+<p:sld xmlns:a="http://schemas.openxmlformats.org/drawingml/2006/main" xmlns:r="http://schemas.openxmlformats.org/officeDocument/2006/relationships" xmlns:p="http://schemas.openxmlformats.org/presentationml/2006/main">
+  <p:cSld>
+    <p:spTree>
+      <p:nvGrpSpPr>
+        <p:cNvPr id="1" name=""/>
+        <p:cNvGrpSpPr/>
+        <p:nvPr/>
+      </p:nvGrpSpPr>
+      <p:grpSpPr>
+        <a:xfrm>
+          <a:off x="0" y="0"/>
+          <a:ext cx="0" cy="0"/>
+          <a:chOff x="0" y="0"/>
+          <a:chExt cx="0" cy="0"/>
+        </a:xfrm>
+      </p:grpSpPr>
+      <p:pic>
+        <p:nvPicPr>
+          <p:cNvPr id="4" name="図 3">
+            <a:extLst>
+              <a:ext uri="{FF2B5EF4-FFF2-40B4-BE49-F238E27FC236}">
+                <a16:creationId xmlns:a16="http://schemas.microsoft.com/office/drawing/2014/main" id="{8096DCC9-5605-CA2A-6806-1DB14144D6AB}"/>
+              </a:ext>
+            </a:extLst>
+          </p:cNvPr>
+          <p:cNvPicPr>
+            <a:picLocks noChangeAspect="1"/>
+          </p:cNvPicPr>
+          <p:nvPr/>
+        </p:nvPicPr>
+        <p:blipFill>
+          <a:blip r:embed="rId2"/>
+          <a:stretch>
+            <a:fillRect/>
+          </a:stretch>
+        </p:blipFill>
+        <p:spPr>
+          <a:xfrm>
+            <a:off x="2366734" y="2097313"/>
+            <a:ext cx="2673351" cy="2717661"/>
+          </a:xfrm>
+          <a:prstGeom prst="rect">
+            <a:avLst/>
+          </a:prstGeom>
+        </p:spPr>
+      </p:pic>
+      <p:sp>
+        <p:nvSpPr>
+          <p:cNvPr id="12" name="雲形吹き出し 11">
+            <a:extLst>
+              <a:ext uri="{FF2B5EF4-FFF2-40B4-BE49-F238E27FC236}">
+                <a16:creationId xmlns:a16="http://schemas.microsoft.com/office/drawing/2014/main" id="{7E38ECAA-5207-8D25-995A-AD66FA15E42E}"/>
+              </a:ext>
+            </a:extLst>
+          </p:cNvPr>
+          <p:cNvSpPr/>
+          <p:nvPr/>
+        </p:nvSpPr>
+        <p:spPr>
+          <a:xfrm>
+            <a:off x="3177012" y="1852823"/>
+            <a:ext cx="2416629" cy="1480457"/>
+          </a:xfrm>
+          <a:prstGeom prst="cloudCallout">
+            <a:avLst>
+              <a:gd name="adj1" fmla="val -38401"/>
+              <a:gd name="adj2" fmla="val 64706"/>
+            </a:avLst>
+          </a:prstGeom>
+          <a:solidFill>
+            <a:schemeClr val="bg1"/>
+          </a:solidFill>
+          <a:ln w="28575"/>
+        </p:spPr>
+        <p:style>
+          <a:lnRef idx="2">
+            <a:schemeClr val="accent1">
+              <a:shade val="15000"/>
+            </a:schemeClr>
+          </a:lnRef>
+          <a:fillRef idx="1">
+            <a:schemeClr val="accent1"/>
+          </a:fillRef>
+          <a:effectRef idx="0">
+            <a:schemeClr val="accent1"/>
+          </a:effectRef>
+          <a:fontRef idx="minor">
+            <a:schemeClr val="lt1"/>
+          </a:fontRef>
+        </p:style>
+        <p:txBody>
+          <a:bodyPr rtlCol="0" anchor="ctr"/>
+          <a:lstStyle/>
+          <a:p>
+            <a:pPr algn="ctr"/>
+            <a:endParaRPr kumimoji="1" lang="ja-JP" altLang="en-US"/>
+          </a:p>
+        </p:txBody>
+      </p:sp>
+      <p:sp>
+        <p:nvSpPr>
+          <p:cNvPr id="5" name="テキスト ボックス 4">
+            <a:extLst>
+              <a:ext uri="{FF2B5EF4-FFF2-40B4-BE49-F238E27FC236}">
+                <a16:creationId xmlns:a16="http://schemas.microsoft.com/office/drawing/2014/main" id="{4B00A98D-5263-90C3-5C7F-511ECAF59D9D}"/>
+              </a:ext>
+            </a:extLst>
+          </p:cNvPr>
+          <p:cNvSpPr txBox="1"/>
+          <p:nvPr/>
+        </p:nvSpPr>
+        <p:spPr>
+          <a:xfrm>
+            <a:off x="4351209" y="2140228"/>
+            <a:ext cx="877163" cy="369332"/>
+          </a:xfrm>
+          <a:prstGeom prst="rect">
+            <a:avLst/>
+          </a:prstGeom>
+          <a:noFill/>
+        </p:spPr>
+        <p:txBody>
+          <a:bodyPr wrap="none" rtlCol="0">
+            <a:spAutoFit/>
+          </a:bodyPr>
+          <a:lstStyle/>
+          <a:p>
+            <a:r>
+              <a:rPr kumimoji="1" lang="ja-JP" altLang="en-US" b="1">
+                <a:solidFill>
+                  <a:srgbClr val="C00000"/>
+                </a:solidFill>
+              </a:rPr>
+              <a:t>母集団</a:t>
+            </a:r>
+          </a:p>
+        </p:txBody>
+      </p:sp>
+      <p:sp>
+        <p:nvSpPr>
+          <p:cNvPr id="6" name="テキスト ボックス 5">
+            <a:extLst>
+              <a:ext uri="{FF2B5EF4-FFF2-40B4-BE49-F238E27FC236}">
+                <a16:creationId xmlns:a16="http://schemas.microsoft.com/office/drawing/2014/main" id="{E6C78183-1C73-20AA-AB16-27827E8AD9D3}"/>
+              </a:ext>
+            </a:extLst>
+          </p:cNvPr>
+          <p:cNvSpPr txBox="1"/>
+          <p:nvPr/>
+        </p:nvSpPr>
+        <p:spPr>
+          <a:xfrm>
+            <a:off x="3588962" y="2185092"/>
+            <a:ext cx="877163" cy="369332"/>
+          </a:xfrm>
+          <a:prstGeom prst="rect">
+            <a:avLst/>
+          </a:prstGeom>
+          <a:solidFill>
+            <a:schemeClr val="bg1"/>
+          </a:solidFill>
+        </p:spPr>
+        <p:txBody>
+          <a:bodyPr wrap="none" rtlCol="0">
+            <a:spAutoFit/>
+          </a:bodyPr>
+          <a:lstStyle/>
+          <a:p>
+            <a:r>
+              <a:rPr kumimoji="1" lang="ja-JP" altLang="en-US" b="1">
+                <a:solidFill>
+                  <a:srgbClr val="C00000"/>
+                </a:solidFill>
+              </a:rPr>
+              <a:t>母集団</a:t>
+            </a:r>
+          </a:p>
+        </p:txBody>
+      </p:sp>
+      <p:sp>
+        <p:nvSpPr>
+          <p:cNvPr id="7" name="テキスト ボックス 6">
+            <a:extLst>
+              <a:ext uri="{FF2B5EF4-FFF2-40B4-BE49-F238E27FC236}">
+                <a16:creationId xmlns:a16="http://schemas.microsoft.com/office/drawing/2014/main" id="{870011B5-B70E-E9BA-2A2D-46CEF8D639C9}"/>
+              </a:ext>
+            </a:extLst>
+          </p:cNvPr>
+          <p:cNvSpPr txBox="1"/>
+          <p:nvPr/>
+        </p:nvSpPr>
+        <p:spPr>
+          <a:xfrm rot="19846141">
+            <a:off x="3841614" y="2446619"/>
+            <a:ext cx="877163" cy="369332"/>
+          </a:xfrm>
+          <a:prstGeom prst="rect">
+            <a:avLst/>
+          </a:prstGeom>
+          <a:solidFill>
+            <a:schemeClr val="bg1"/>
+          </a:solidFill>
+        </p:spPr>
+        <p:txBody>
+          <a:bodyPr wrap="none" rtlCol="0">
+            <a:spAutoFit/>
+          </a:bodyPr>
+          <a:lstStyle/>
+          <a:p>
+            <a:r>
+              <a:rPr kumimoji="1" lang="ja-JP" altLang="en-US" b="1">
+                <a:solidFill>
+                  <a:srgbClr val="C00000"/>
+                </a:solidFill>
+              </a:rPr>
+              <a:t>母集団</a:t>
+            </a:r>
+          </a:p>
+        </p:txBody>
+      </p:sp>
+      <p:sp>
+        <p:nvSpPr>
+          <p:cNvPr id="8" name="テキスト ボックス 7">
+            <a:extLst>
+              <a:ext uri="{FF2B5EF4-FFF2-40B4-BE49-F238E27FC236}">
+                <a16:creationId xmlns:a16="http://schemas.microsoft.com/office/drawing/2014/main" id="{9BCBFAEB-FA06-22FF-6045-9DA79F7B830F}"/>
+              </a:ext>
+            </a:extLst>
+          </p:cNvPr>
+          <p:cNvSpPr txBox="1"/>
+          <p:nvPr/>
+        </p:nvSpPr>
+        <p:spPr>
+          <a:xfrm>
+            <a:off x="4082089" y="2064495"/>
+            <a:ext cx="877163" cy="369332"/>
+          </a:xfrm>
+          <a:prstGeom prst="rect">
+            <a:avLst/>
+          </a:prstGeom>
+          <a:solidFill>
+            <a:schemeClr val="bg1"/>
+          </a:solidFill>
+        </p:spPr>
+        <p:txBody>
+          <a:bodyPr wrap="none" rtlCol="0">
+            <a:spAutoFit/>
+          </a:bodyPr>
+          <a:lstStyle/>
+          <a:p>
+            <a:r>
+              <a:rPr kumimoji="1" lang="ja-JP" altLang="en-US" b="1">
+                <a:solidFill>
+                  <a:srgbClr val="C00000"/>
+                </a:solidFill>
+              </a:rPr>
+              <a:t>母集団</a:t>
+            </a:r>
+          </a:p>
+        </p:txBody>
+      </p:sp>
+      <p:sp>
+        <p:nvSpPr>
+          <p:cNvPr id="9" name="テキスト ボックス 8">
+            <a:extLst>
+              <a:ext uri="{FF2B5EF4-FFF2-40B4-BE49-F238E27FC236}">
+                <a16:creationId xmlns:a16="http://schemas.microsoft.com/office/drawing/2014/main" id="{EF245455-5CB0-7B1E-0F38-7AC95D761585}"/>
+              </a:ext>
+            </a:extLst>
+          </p:cNvPr>
+          <p:cNvSpPr txBox="1"/>
+          <p:nvPr/>
+        </p:nvSpPr>
+        <p:spPr>
+          <a:xfrm>
+            <a:off x="4052469" y="2746049"/>
+            <a:ext cx="877163" cy="369332"/>
+          </a:xfrm>
+          <a:prstGeom prst="rect">
+            <a:avLst/>
+          </a:prstGeom>
+          <a:solidFill>
+            <a:schemeClr val="bg1"/>
+          </a:solidFill>
+          <a:ln>
+            <a:noFill/>
+          </a:ln>
+        </p:spPr>
+        <p:txBody>
+          <a:bodyPr wrap="none" rtlCol="0">
+            <a:spAutoFit/>
+          </a:bodyPr>
+          <a:lstStyle/>
+          <a:p>
+            <a:r>
+              <a:rPr kumimoji="1" lang="ja-JP" altLang="en-US" b="1">
+                <a:solidFill>
+                  <a:srgbClr val="C00000"/>
+                </a:solidFill>
+              </a:rPr>
+              <a:t>母集団</a:t>
+            </a:r>
+          </a:p>
+        </p:txBody>
+      </p:sp>
+      <p:sp>
+        <p:nvSpPr>
+          <p:cNvPr id="10" name="テキスト ボックス 9">
+            <a:extLst>
+              <a:ext uri="{FF2B5EF4-FFF2-40B4-BE49-F238E27FC236}">
+                <a16:creationId xmlns:a16="http://schemas.microsoft.com/office/drawing/2014/main" id="{1D5F2822-ACA3-52EB-B245-0B20036ADB29}"/>
+              </a:ext>
+            </a:extLst>
+          </p:cNvPr>
+          <p:cNvSpPr txBox="1"/>
+          <p:nvPr/>
+        </p:nvSpPr>
+        <p:spPr>
+          <a:xfrm rot="2602698">
+            <a:off x="3329946" y="2592572"/>
+            <a:ext cx="877163" cy="369332"/>
+          </a:xfrm>
+          <a:prstGeom prst="rect">
+            <a:avLst/>
+          </a:prstGeom>
+          <a:solidFill>
+            <a:schemeClr val="bg1"/>
+          </a:solidFill>
+        </p:spPr>
+        <p:txBody>
+          <a:bodyPr wrap="none" rtlCol="0">
+            <a:spAutoFit/>
+          </a:bodyPr>
+          <a:lstStyle/>
+          <a:p>
+            <a:r>
+              <a:rPr kumimoji="1" lang="ja-JP" altLang="en-US" b="1">
+                <a:solidFill>
+                  <a:srgbClr val="C00000"/>
+                </a:solidFill>
+              </a:rPr>
+              <a:t>母集団</a:t>
+            </a:r>
+          </a:p>
+        </p:txBody>
+      </p:sp>
+      <p:sp>
+        <p:nvSpPr>
+          <p:cNvPr id="11" name="テキスト ボックス 10">
+            <a:extLst>
+              <a:ext uri="{FF2B5EF4-FFF2-40B4-BE49-F238E27FC236}">
+                <a16:creationId xmlns:a16="http://schemas.microsoft.com/office/drawing/2014/main" id="{58FC4097-B19A-FCD4-729C-EBB557078AF4}"/>
+              </a:ext>
+            </a:extLst>
+          </p:cNvPr>
+          <p:cNvSpPr txBox="1"/>
+          <p:nvPr/>
+        </p:nvSpPr>
+        <p:spPr>
+          <a:xfrm>
+            <a:off x="4628124" y="2395763"/>
+            <a:ext cx="877163" cy="369332"/>
+          </a:xfrm>
+          <a:prstGeom prst="rect">
+            <a:avLst/>
+          </a:prstGeom>
+          <a:solidFill>
+            <a:schemeClr val="bg1"/>
+          </a:solidFill>
+        </p:spPr>
+        <p:txBody>
+          <a:bodyPr wrap="none" rtlCol="0">
+            <a:spAutoFit/>
+          </a:bodyPr>
+          <a:lstStyle/>
+          <a:p>
+            <a:r>
+              <a:rPr kumimoji="1" lang="ja-JP" altLang="en-US" b="1">
+                <a:solidFill>
+                  <a:srgbClr val="C00000"/>
+                </a:solidFill>
+              </a:rPr>
+              <a:t>母集団</a:t>
+            </a:r>
+          </a:p>
+        </p:txBody>
+      </p:sp>
+      <p:sp>
+        <p:nvSpPr>
+          <p:cNvPr id="15" name="テキスト ボックス 14">
+            <a:extLst>
+              <a:ext uri="{FF2B5EF4-FFF2-40B4-BE49-F238E27FC236}">
+                <a16:creationId xmlns:a16="http://schemas.microsoft.com/office/drawing/2014/main" id="{D9EF0483-97B0-B924-1776-0258F9E98F18}"/>
+              </a:ext>
+            </a:extLst>
+          </p:cNvPr>
+          <p:cNvSpPr txBox="1"/>
+          <p:nvPr/>
+        </p:nvSpPr>
+        <p:spPr>
+          <a:xfrm>
+            <a:off x="3418115" y="3674943"/>
+            <a:ext cx="6096000" cy="1200329"/>
+          </a:xfrm>
+          <a:prstGeom prst="rect">
+            <a:avLst/>
+          </a:prstGeom>
+          <a:noFill/>
+          <a:ln>
+            <a:noFill/>
+          </a:ln>
+        </p:spPr>
+        <p:txBody>
+          <a:bodyPr wrap="square">
+            <a:spAutoFit/>
+          </a:bodyPr>
+          <a:lstStyle/>
+          <a:p>
+            <a:r>
+              <a:rPr lang="ja-JP" altLang="en-US"/>
+              <a:t>\begin{center}</a:t>
+            </a:r>
+          </a:p>
+          <a:p>
+            <a:r>
+              <a:rPr lang="ja-JP" altLang="en-US"/>
+              <a:t>\textbf{標本から母集団の値を1つの数で推測する}</a:t>
+            </a:r>
+          </a:p>
+          <a:p>
+            <a:r>
+              <a:rPr lang="ja-JP" altLang="en-US"/>
+              <a:t>\end{center}</a:t>
+            </a:r>
+          </a:p>
+          <a:p>
+            <a:r>
+              <a:rPr lang="ja-JP" altLang="en-US"/>
+              <a:t>ことを、\textbf{点推定}といいます。</a:t>
+            </a:r>
+          </a:p>
+        </p:txBody>
+      </p:sp>
+      <p:sp>
+        <p:nvSpPr>
+          <p:cNvPr id="13" name="正方形/長方形 12">
+            <a:extLst>
+              <a:ext uri="{FF2B5EF4-FFF2-40B4-BE49-F238E27FC236}">
+                <a16:creationId xmlns:a16="http://schemas.microsoft.com/office/drawing/2014/main" id="{03979877-89EF-66F0-80D2-7C77D3160FFD}"/>
+              </a:ext>
+            </a:extLst>
+          </p:cNvPr>
+          <p:cNvSpPr/>
+          <p:nvPr/>
+        </p:nvSpPr>
+        <p:spPr>
+          <a:xfrm>
+            <a:off x="3980653" y="3334556"/>
+            <a:ext cx="2558142" cy="890377"/>
+          </a:xfrm>
+          <a:prstGeom prst="rect">
+            <a:avLst/>
+          </a:prstGeom>
+          <a:solidFill>
+            <a:srgbClr val="FFFD78"/>
+          </a:solidFill>
+          <a:ln>
+            <a:noFill/>
+          </a:ln>
+        </p:spPr>
+        <p:style>
+          <a:lnRef idx="2">
+            <a:schemeClr val="accent1">
+              <a:shade val="15000"/>
+            </a:schemeClr>
+          </a:lnRef>
+          <a:fillRef idx="1">
+            <a:schemeClr val="accent1"/>
+          </a:fillRef>
+          <a:effectRef idx="0">
+            <a:schemeClr val="accent1"/>
+          </a:effectRef>
+          <a:fontRef idx="minor">
+            <a:schemeClr val="lt1"/>
+          </a:fontRef>
+        </p:style>
+        <p:txBody>
+          <a:bodyPr rtlCol="0" anchor="ctr"/>
+          <a:lstStyle/>
+          <a:p>
+            <a:pPr algn="ctr"/>
+            <a:r>
+              <a:rPr lang="ja-JP" altLang="en-US">
+                <a:solidFill>
+                  <a:srgbClr val="C00000"/>
+                </a:solidFill>
+                <a:latin typeface="HGSoeiKakugothicUB" panose="020B0909000000000000" pitchFamily="49" charset="-128"/>
+                <a:ea typeface="HGSoeiKakugothicUB" panose="020B0909000000000000" pitchFamily="49" charset="-128"/>
+              </a:rPr>
+              <a:t>標本から母集団の値を1つの数で推測する</a:t>
+            </a:r>
+            <a:endParaRPr kumimoji="1" lang="ja-JP" altLang="en-US">
+              <a:solidFill>
+                <a:srgbClr val="C00000"/>
+              </a:solidFill>
+              <a:latin typeface="HGSoeiKakugothicUB" panose="020B0909000000000000" pitchFamily="49" charset="-128"/>
+              <a:ea typeface="HGSoeiKakugothicUB" panose="020B0909000000000000" pitchFamily="49" charset="-128"/>
+            </a:endParaRPr>
+          </a:p>
+        </p:txBody>
+      </p:sp>
+      <p:sp>
+        <p:nvSpPr>
+          <p:cNvPr id="16" name="正方形/長方形 15">
+            <a:extLst>
+              <a:ext uri="{FF2B5EF4-FFF2-40B4-BE49-F238E27FC236}">
+                <a16:creationId xmlns:a16="http://schemas.microsoft.com/office/drawing/2014/main" id="{588B9EA2-0F16-87C8-C08B-3FC28D46596C}"/>
+              </a:ext>
+            </a:extLst>
+          </p:cNvPr>
+          <p:cNvSpPr/>
+          <p:nvPr/>
+        </p:nvSpPr>
+        <p:spPr>
+          <a:xfrm>
+            <a:off x="3980653" y="4579662"/>
+            <a:ext cx="2558142" cy="496976"/>
+          </a:xfrm>
+          <a:prstGeom prst="rect">
+            <a:avLst/>
+          </a:prstGeom>
+          <a:solidFill>
+            <a:srgbClr val="FFFD78"/>
+          </a:solidFill>
+          <a:ln>
+            <a:noFill/>
+          </a:ln>
+        </p:spPr>
+        <p:style>
+          <a:lnRef idx="2">
+            <a:schemeClr val="accent1">
+              <a:shade val="15000"/>
+            </a:schemeClr>
+          </a:lnRef>
+          <a:fillRef idx="1">
+            <a:schemeClr val="accent1"/>
+          </a:fillRef>
+          <a:effectRef idx="0">
+            <a:schemeClr val="accent1"/>
+          </a:effectRef>
+          <a:fontRef idx="minor">
+            <a:schemeClr val="lt1"/>
+          </a:fontRef>
+        </p:style>
+        <p:txBody>
+          <a:bodyPr rtlCol="0" anchor="ctr"/>
+          <a:lstStyle/>
+          <a:p>
+            <a:pPr algn="ctr"/>
+            <a:r>
+              <a:rPr lang="ja-JP" altLang="en-US" sz="2000">
+                <a:solidFill>
+                  <a:srgbClr val="C00000"/>
+                </a:solidFill>
+                <a:latin typeface="HGSoeiKakugothicUB" panose="020B0909000000000000" pitchFamily="49" charset="-128"/>
+                <a:ea typeface="HGSoeiKakugothicUB" panose="020B0909000000000000" pitchFamily="49" charset="-128"/>
+              </a:rPr>
+              <a:t>点推定</a:t>
+            </a:r>
+            <a:endParaRPr kumimoji="1" lang="ja-JP" altLang="en-US" sz="2000">
+              <a:solidFill>
+                <a:srgbClr val="C00000"/>
+              </a:solidFill>
+              <a:latin typeface="HGSoeiKakugothicUB" panose="020B0909000000000000" pitchFamily="49" charset="-128"/>
+              <a:ea typeface="HGSoeiKakugothicUB" panose="020B0909000000000000" pitchFamily="49" charset="-128"/>
+            </a:endParaRPr>
+          </a:p>
+        </p:txBody>
+      </p:sp>
+      <p:sp>
+        <p:nvSpPr>
+          <p:cNvPr id="17" name="下矢印 16">
+            <a:extLst>
+              <a:ext uri="{FF2B5EF4-FFF2-40B4-BE49-F238E27FC236}">
+                <a16:creationId xmlns:a16="http://schemas.microsoft.com/office/drawing/2014/main" id="{754C8506-8511-DD3C-3C05-73DB68A3569A}"/>
+              </a:ext>
+            </a:extLst>
+          </p:cNvPr>
+          <p:cNvSpPr/>
+          <p:nvPr/>
+        </p:nvSpPr>
+        <p:spPr>
+          <a:xfrm>
+            <a:off x="4862395" y="4224933"/>
+            <a:ext cx="794658" cy="340436"/>
+          </a:xfrm>
+          <a:prstGeom prst="downArrow">
+            <a:avLst/>
+          </a:prstGeom>
+          <a:solidFill>
+            <a:srgbClr val="FFC000"/>
+          </a:solidFill>
+          <a:ln>
+            <a:noFill/>
+          </a:ln>
+        </p:spPr>
+        <p:style>
+          <a:lnRef idx="2">
+            <a:schemeClr val="accent1">
+              <a:shade val="15000"/>
+            </a:schemeClr>
+          </a:lnRef>
+          <a:fillRef idx="1">
+            <a:schemeClr val="accent1"/>
+          </a:fillRef>
+          <a:effectRef idx="0">
+            <a:schemeClr val="accent1"/>
+          </a:effectRef>
+          <a:fontRef idx="minor">
+            <a:schemeClr val="lt1"/>
+          </a:fontRef>
+        </p:style>
+        <p:txBody>
+          <a:bodyPr rtlCol="0" anchor="ctr"/>
+          <a:lstStyle/>
+          <a:p>
+            <a:pPr algn="ctr"/>
+            <a:endParaRPr kumimoji="1" lang="ja-JP" altLang="en-US"/>
+          </a:p>
+        </p:txBody>
+      </p:sp>
+      <p:pic>
+        <p:nvPicPr>
+          <p:cNvPr id="21" name="図 20">
+            <a:extLst>
+              <a:ext uri="{FF2B5EF4-FFF2-40B4-BE49-F238E27FC236}">
+                <a16:creationId xmlns:a16="http://schemas.microsoft.com/office/drawing/2014/main" id="{013C8DF2-AA61-4DE8-94F6-BEF425028068}"/>
+              </a:ext>
+            </a:extLst>
+          </p:cNvPr>
+          <p:cNvPicPr>
+            <a:picLocks noChangeAspect="1"/>
+          </p:cNvPicPr>
+          <p:nvPr/>
+        </p:nvPicPr>
+        <p:blipFill>
+          <a:blip r:embed="rId3"/>
+          <a:stretch>
+            <a:fillRect/>
+          </a:stretch>
+        </p:blipFill>
+        <p:spPr>
+          <a:xfrm>
+            <a:off x="1651049" y="995953"/>
+            <a:ext cx="8294214" cy="4674654"/>
+          </a:xfrm>
+          <a:prstGeom prst="rect">
+            <a:avLst/>
+          </a:prstGeom>
+        </p:spPr>
+      </p:pic>
+    </p:spTree>
+    <p:extLst>
+      <p:ext uri="{BB962C8B-B14F-4D97-AF65-F5344CB8AC3E}">
+        <p14:creationId xmlns:p14="http://schemas.microsoft.com/office/powerpoint/2010/main" val="2337198337"/>
+      </p:ext>
+    </p:extLst>
+  </p:cSld>
+  <p:clrMapOvr>
+    <a:masterClrMapping/>
+  </p:clrMapOvr>
+</p:sld>
+</file>
+
+<file path=ppt/slides/slide4.xml><?xml version="1.0" encoding="utf-8"?>
 <p:sld xmlns:a="http://schemas.openxmlformats.org/drawingml/2006/main" xmlns:r="http://schemas.openxmlformats.org/officeDocument/2006/relationships" xmlns:p="http://schemas.openxmlformats.org/presentationml/2006/main">
   <p:cSld>
     <p:spTree>
@@ -5584,472 +6728,6 @@
     <p:extLst>
       <p:ext uri="{BB962C8B-B14F-4D97-AF65-F5344CB8AC3E}">
         <p14:creationId xmlns:p14="http://schemas.microsoft.com/office/powerpoint/2010/main" val="1444208543"/>
-      </p:ext>
-    </p:extLst>
-  </p:cSld>
-  <p:clrMapOvr>
-    <a:masterClrMapping/>
-  </p:clrMapOvr>
-</p:sld>
-</file>
-
-<file path=ppt/slides/slide4.xml><?xml version="1.0" encoding="utf-8"?>
-<p:sld xmlns:a="http://schemas.openxmlformats.org/drawingml/2006/main" xmlns:r="http://schemas.openxmlformats.org/officeDocument/2006/relationships" xmlns:p="http://schemas.openxmlformats.org/presentationml/2006/main">
-  <p:cSld>
-    <p:spTree>
-      <p:nvGrpSpPr>
-        <p:cNvPr id="1" name=""/>
-        <p:cNvGrpSpPr/>
-        <p:nvPr/>
-      </p:nvGrpSpPr>
-      <p:grpSpPr>
-        <a:xfrm>
-          <a:off x="0" y="0"/>
-          <a:ext cx="0" cy="0"/>
-          <a:chOff x="0" y="0"/>
-          <a:chExt cx="0" cy="0"/>
-        </a:xfrm>
-      </p:grpSpPr>
-      <p:sp>
-        <p:nvSpPr>
-          <p:cNvPr id="4" name="テキスト ボックス 3">
-            <a:extLst>
-              <a:ext uri="{FF2B5EF4-FFF2-40B4-BE49-F238E27FC236}">
-                <a16:creationId xmlns:a16="http://schemas.microsoft.com/office/drawing/2014/main" id="{1E1D2779-D653-03C4-4523-2D98C24A92BE}"/>
-              </a:ext>
-            </a:extLst>
-          </p:cNvPr>
-          <p:cNvSpPr txBox="1"/>
-          <p:nvPr/>
-        </p:nvSpPr>
-        <p:spPr>
-          <a:xfrm>
-            <a:off x="4654497" y="558800"/>
-            <a:ext cx="3095719" cy="584775"/>
-          </a:xfrm>
-          <a:prstGeom prst="rect">
-            <a:avLst/>
-          </a:prstGeom>
-          <a:noFill/>
-        </p:spPr>
-        <p:txBody>
-          <a:bodyPr wrap="none" rtlCol="0">
-            <a:spAutoFit/>
-          </a:bodyPr>
-          <a:lstStyle/>
-          <a:p>
-            <a:r>
-              <a:rPr kumimoji="1" lang="ja-JP" altLang="en-US" sz="3200">
-                <a:solidFill>
-                  <a:schemeClr val="accent5">
-                    <a:lumMod val="50000"/>
-                  </a:schemeClr>
-                </a:solidFill>
-                <a:latin typeface="HGPSoeiKakugothicUB" panose="020B0900000000000000" pitchFamily="34" charset="-128"/>
-                <a:ea typeface="HGPSoeiKakugothicUB" panose="020B0900000000000000" pitchFamily="34" charset="-128"/>
-              </a:rPr>
-              <a:t>いつも通りを知る</a:t>
-            </a:r>
-          </a:p>
-        </p:txBody>
-      </p:sp>
-      <p:sp>
-        <p:nvSpPr>
-          <p:cNvPr id="5" name="テキスト ボックス 4">
-            <a:extLst>
-              <a:ext uri="{FF2B5EF4-FFF2-40B4-BE49-F238E27FC236}">
-                <a16:creationId xmlns:a16="http://schemas.microsoft.com/office/drawing/2014/main" id="{060159BE-A5B2-B35D-D703-314E189EF5F5}"/>
-              </a:ext>
-            </a:extLst>
-          </p:cNvPr>
-          <p:cNvSpPr txBox="1"/>
-          <p:nvPr/>
-        </p:nvSpPr>
-        <p:spPr>
-          <a:xfrm>
-            <a:off x="4495799" y="1981200"/>
-            <a:ext cx="3413114" cy="584775"/>
-          </a:xfrm>
-          <a:prstGeom prst="rect">
-            <a:avLst/>
-          </a:prstGeom>
-          <a:noFill/>
-        </p:spPr>
-        <p:txBody>
-          <a:bodyPr wrap="none" rtlCol="0">
-            <a:spAutoFit/>
-          </a:bodyPr>
-          <a:lstStyle/>
-          <a:p>
-            <a:r>
-              <a:rPr lang="ja-JP" altLang="en-US" sz="3200">
-                <a:solidFill>
-                  <a:schemeClr val="accent5">
-                    <a:lumMod val="50000"/>
-                  </a:schemeClr>
-                </a:solidFill>
-                <a:latin typeface="HGPSoeiKakugothicUB" panose="020B0900000000000000" pitchFamily="34" charset="-128"/>
-                <a:ea typeface="HGPSoeiKakugothicUB" panose="020B0900000000000000" pitchFamily="34" charset="-128"/>
-              </a:rPr>
-              <a:t>どれくらい珍しい？</a:t>
-            </a:r>
-            <a:endParaRPr kumimoji="1" lang="ja-JP" altLang="en-US" sz="3200">
-              <a:solidFill>
-                <a:schemeClr val="accent5">
-                  <a:lumMod val="50000"/>
-                </a:schemeClr>
-              </a:solidFill>
-              <a:latin typeface="HGPSoeiKakugothicUB" panose="020B0900000000000000" pitchFamily="34" charset="-128"/>
-              <a:ea typeface="HGPSoeiKakugothicUB" panose="020B0900000000000000" pitchFamily="34" charset="-128"/>
-            </a:endParaRPr>
-          </a:p>
-        </p:txBody>
-      </p:sp>
-      <p:sp>
-        <p:nvSpPr>
-          <p:cNvPr id="6" name="テキスト ボックス 5">
-            <a:extLst>
-              <a:ext uri="{FF2B5EF4-FFF2-40B4-BE49-F238E27FC236}">
-                <a16:creationId xmlns:a16="http://schemas.microsoft.com/office/drawing/2014/main" id="{3D22533F-EA22-11FA-887C-3607C2EBFF12}"/>
-              </a:ext>
-            </a:extLst>
-          </p:cNvPr>
-          <p:cNvSpPr txBox="1"/>
-          <p:nvPr/>
-        </p:nvSpPr>
-        <p:spPr>
-          <a:xfrm>
-            <a:off x="5347795" y="3403600"/>
-            <a:ext cx="1709122" cy="584775"/>
-          </a:xfrm>
-          <a:prstGeom prst="rect">
-            <a:avLst/>
-          </a:prstGeom>
-          <a:noFill/>
-        </p:spPr>
-        <p:txBody>
-          <a:bodyPr wrap="none" rtlCol="0">
-            <a:spAutoFit/>
-          </a:bodyPr>
-          <a:lstStyle/>
-          <a:p>
-            <a:r>
-              <a:rPr kumimoji="1" lang="ja-JP" altLang="en-US" sz="3200">
-                <a:solidFill>
-                  <a:schemeClr val="accent5">
-                    <a:lumMod val="50000"/>
-                  </a:schemeClr>
-                </a:solidFill>
-                <a:latin typeface="HGPSoeiKakugothicUB" panose="020B0900000000000000" pitchFamily="34" charset="-128"/>
-                <a:ea typeface="HGPSoeiKakugothicUB" panose="020B0900000000000000" pitchFamily="34" charset="-128"/>
-              </a:rPr>
-              <a:t>判断する</a:t>
-            </a:r>
-          </a:p>
-        </p:txBody>
-      </p:sp>
-      <p:sp>
-        <p:nvSpPr>
-          <p:cNvPr id="7" name="テキスト ボックス 6">
-            <a:extLst>
-              <a:ext uri="{FF2B5EF4-FFF2-40B4-BE49-F238E27FC236}">
-                <a16:creationId xmlns:a16="http://schemas.microsoft.com/office/drawing/2014/main" id="{C764490B-01B2-E9E0-22CB-BA2F0645E9E2}"/>
-              </a:ext>
-            </a:extLst>
-          </p:cNvPr>
-          <p:cNvSpPr txBox="1"/>
-          <p:nvPr/>
-        </p:nvSpPr>
-        <p:spPr>
-          <a:xfrm>
-            <a:off x="5173068" y="1104155"/>
-            <a:ext cx="2058577" cy="369332"/>
-          </a:xfrm>
-          <a:prstGeom prst="rect">
-            <a:avLst/>
-          </a:prstGeom>
-          <a:noFill/>
-        </p:spPr>
-        <p:txBody>
-          <a:bodyPr wrap="none" rtlCol="0">
-            <a:spAutoFit/>
-          </a:bodyPr>
-          <a:lstStyle/>
-          <a:p>
-            <a:r>
-              <a:rPr lang="en-US" altLang="ja-JP" dirty="0">
-                <a:solidFill>
-                  <a:srgbClr val="C00000"/>
-                </a:solidFill>
-                <a:latin typeface="Hiragino Kaku Gothic Std W8" panose="020B0800000000000000" pitchFamily="34" charset="-128"/>
-                <a:ea typeface="Hiragino Kaku Gothic Std W8" panose="020B0800000000000000" pitchFamily="34" charset="-128"/>
-              </a:rPr>
-              <a:t>[</a:t>
-            </a:r>
-            <a:r>
-              <a:rPr lang="ja-JP" altLang="en-US">
-                <a:solidFill>
-                  <a:srgbClr val="C00000"/>
-                </a:solidFill>
-                <a:latin typeface="Hiragino Kaku Gothic Std W8" panose="020B0800000000000000" pitchFamily="34" charset="-128"/>
-                <a:ea typeface="Hiragino Kaku Gothic Std W8" panose="020B0800000000000000" pitchFamily="34" charset="-128"/>
-              </a:rPr>
-              <a:t>平均・ばらつき</a:t>
-            </a:r>
-            <a:r>
-              <a:rPr lang="en-US" altLang="ja-JP" dirty="0">
-                <a:solidFill>
-                  <a:srgbClr val="C00000"/>
-                </a:solidFill>
-                <a:latin typeface="Hiragino Kaku Gothic Std W8" panose="020B0800000000000000" pitchFamily="34" charset="-128"/>
-                <a:ea typeface="Hiragino Kaku Gothic Std W8" panose="020B0800000000000000" pitchFamily="34" charset="-128"/>
-              </a:rPr>
-              <a:t>]</a:t>
-            </a:r>
-            <a:endParaRPr kumimoji="1" lang="ja-JP" altLang="en-US">
-              <a:solidFill>
-                <a:srgbClr val="C00000"/>
-              </a:solidFill>
-              <a:latin typeface="Hiragino Kaku Gothic Std W8" panose="020B0800000000000000" pitchFamily="34" charset="-128"/>
-              <a:ea typeface="Hiragino Kaku Gothic Std W8" panose="020B0800000000000000" pitchFamily="34" charset="-128"/>
-            </a:endParaRPr>
-          </a:p>
-        </p:txBody>
-      </p:sp>
-      <p:sp>
-        <p:nvSpPr>
-          <p:cNvPr id="8" name="テキスト ボックス 7">
-            <a:extLst>
-              <a:ext uri="{FF2B5EF4-FFF2-40B4-BE49-F238E27FC236}">
-                <a16:creationId xmlns:a16="http://schemas.microsoft.com/office/drawing/2014/main" id="{F8463835-97FC-8554-AD36-80FE11330797}"/>
-              </a:ext>
-            </a:extLst>
-          </p:cNvPr>
-          <p:cNvSpPr txBox="1"/>
-          <p:nvPr/>
-        </p:nvSpPr>
-        <p:spPr>
-          <a:xfrm>
-            <a:off x="5055247" y="2528907"/>
-            <a:ext cx="2294218" cy="369332"/>
-          </a:xfrm>
-          <a:prstGeom prst="rect">
-            <a:avLst/>
-          </a:prstGeom>
-          <a:noFill/>
-        </p:spPr>
-        <p:txBody>
-          <a:bodyPr wrap="none" rtlCol="0">
-            <a:spAutoFit/>
-          </a:bodyPr>
-          <a:lstStyle/>
-          <a:p>
-            <a:r>
-              <a:rPr lang="en-US" altLang="ja-JP" dirty="0">
-                <a:solidFill>
-                  <a:srgbClr val="C00000"/>
-                </a:solidFill>
-                <a:latin typeface="Hiragino Kaku Gothic Std W8" panose="020B0800000000000000" pitchFamily="34" charset="-128"/>
-                <a:ea typeface="Hiragino Kaku Gothic Std W8" panose="020B0800000000000000" pitchFamily="34" charset="-128"/>
-              </a:rPr>
-              <a:t>[</a:t>
-            </a:r>
-            <a:r>
-              <a:rPr lang="ja-JP" altLang="en-US">
-                <a:solidFill>
-                  <a:srgbClr val="C00000"/>
-                </a:solidFill>
-                <a:latin typeface="Hiragino Kaku Gothic Std W8" panose="020B0800000000000000" pitchFamily="34" charset="-128"/>
-                <a:ea typeface="Hiragino Kaku Gothic Std W8" panose="020B0800000000000000" pitchFamily="34" charset="-128"/>
-              </a:rPr>
-              <a:t>平均との差を見る</a:t>
-            </a:r>
-            <a:r>
-              <a:rPr lang="en-US" altLang="ja-JP" dirty="0">
-                <a:solidFill>
-                  <a:srgbClr val="C00000"/>
-                </a:solidFill>
-                <a:latin typeface="Hiragino Kaku Gothic Std W8" panose="020B0800000000000000" pitchFamily="34" charset="-128"/>
-                <a:ea typeface="Hiragino Kaku Gothic Std W8" panose="020B0800000000000000" pitchFamily="34" charset="-128"/>
-              </a:rPr>
-              <a:t>]</a:t>
-            </a:r>
-            <a:endParaRPr kumimoji="1" lang="ja-JP" altLang="en-US">
-              <a:solidFill>
-                <a:srgbClr val="C00000"/>
-              </a:solidFill>
-              <a:latin typeface="Hiragino Kaku Gothic Std W8" panose="020B0800000000000000" pitchFamily="34" charset="-128"/>
-              <a:ea typeface="Hiragino Kaku Gothic Std W8" panose="020B0800000000000000" pitchFamily="34" charset="-128"/>
-            </a:endParaRPr>
-          </a:p>
-        </p:txBody>
-      </p:sp>
-      <p:sp>
-        <p:nvSpPr>
-          <p:cNvPr id="9" name="下矢印 8">
-            <a:extLst>
-              <a:ext uri="{FF2B5EF4-FFF2-40B4-BE49-F238E27FC236}">
-                <a16:creationId xmlns:a16="http://schemas.microsoft.com/office/drawing/2014/main" id="{B80F0CF9-5564-C8E3-3785-B19900F70502}"/>
-              </a:ext>
-            </a:extLst>
-          </p:cNvPr>
-          <p:cNvSpPr/>
-          <p:nvPr/>
-        </p:nvSpPr>
-        <p:spPr>
-          <a:xfrm>
-            <a:off x="5903906" y="1633701"/>
-            <a:ext cx="596900" cy="431800"/>
-          </a:xfrm>
-          <a:prstGeom prst="downArrow">
-            <a:avLst/>
-          </a:prstGeom>
-        </p:spPr>
-        <p:style>
-          <a:lnRef idx="2">
-            <a:schemeClr val="accent1">
-              <a:shade val="15000"/>
-            </a:schemeClr>
-          </a:lnRef>
-          <a:fillRef idx="1">
-            <a:schemeClr val="accent1"/>
-          </a:fillRef>
-          <a:effectRef idx="0">
-            <a:schemeClr val="accent1"/>
-          </a:effectRef>
-          <a:fontRef idx="minor">
-            <a:schemeClr val="lt1"/>
-          </a:fontRef>
-        </p:style>
-        <p:txBody>
-          <a:bodyPr rtlCol="0" anchor="ctr"/>
-          <a:lstStyle/>
-          <a:p>
-            <a:pPr algn="ctr"/>
-            <a:endParaRPr kumimoji="1" lang="ja-JP" altLang="en-US"/>
-          </a:p>
-        </p:txBody>
-      </p:sp>
-      <p:sp>
-        <p:nvSpPr>
-          <p:cNvPr id="10" name="下矢印 9">
-            <a:extLst>
-              <a:ext uri="{FF2B5EF4-FFF2-40B4-BE49-F238E27FC236}">
-                <a16:creationId xmlns:a16="http://schemas.microsoft.com/office/drawing/2014/main" id="{D48ECB3B-18CB-EE04-CBE1-183B3F1C36ED}"/>
-              </a:ext>
-            </a:extLst>
-          </p:cNvPr>
-          <p:cNvSpPr/>
-          <p:nvPr/>
-        </p:nvSpPr>
-        <p:spPr>
-          <a:xfrm>
-            <a:off x="5903906" y="3003237"/>
-            <a:ext cx="596900" cy="431800"/>
-          </a:xfrm>
-          <a:prstGeom prst="downArrow">
-            <a:avLst/>
-          </a:prstGeom>
-        </p:spPr>
-        <p:style>
-          <a:lnRef idx="2">
-            <a:schemeClr val="accent1">
-              <a:shade val="15000"/>
-            </a:schemeClr>
-          </a:lnRef>
-          <a:fillRef idx="1">
-            <a:schemeClr val="accent1"/>
-          </a:fillRef>
-          <a:effectRef idx="0">
-            <a:schemeClr val="accent1"/>
-          </a:effectRef>
-          <a:fontRef idx="minor">
-            <a:schemeClr val="lt1"/>
-          </a:fontRef>
-        </p:style>
-        <p:txBody>
-          <a:bodyPr rtlCol="0" anchor="ctr"/>
-          <a:lstStyle/>
-          <a:p>
-            <a:pPr algn="ctr"/>
-            <a:endParaRPr kumimoji="1" lang="ja-JP" altLang="en-US"/>
-          </a:p>
-        </p:txBody>
-      </p:sp>
-      <p:pic>
-        <p:nvPicPr>
-          <p:cNvPr id="12" name="図 11">
-            <a:extLst>
-              <a:ext uri="{FF2B5EF4-FFF2-40B4-BE49-F238E27FC236}">
-                <a16:creationId xmlns:a16="http://schemas.microsoft.com/office/drawing/2014/main" id="{EE4C5F22-AF85-D806-A5C1-53F6CD01D762}"/>
-              </a:ext>
-            </a:extLst>
-          </p:cNvPr>
-          <p:cNvPicPr>
-            <a:picLocks noChangeAspect="1"/>
-          </p:cNvPicPr>
-          <p:nvPr/>
-        </p:nvPicPr>
-        <p:blipFill>
-          <a:blip r:embed="rId2"/>
-          <a:stretch>
-            <a:fillRect/>
-          </a:stretch>
-        </p:blipFill>
-        <p:spPr>
-          <a:xfrm>
-            <a:off x="733290" y="2065501"/>
-            <a:ext cx="5565910" cy="3158798"/>
-          </a:xfrm>
-          <a:prstGeom prst="rect">
-            <a:avLst/>
-          </a:prstGeom>
-          <a:ln>
-            <a:solidFill>
-              <a:schemeClr val="tx1"/>
-            </a:solidFill>
-          </a:ln>
-        </p:spPr>
-      </p:pic>
-      <p:pic>
-        <p:nvPicPr>
-          <p:cNvPr id="14" name="図 13">
-            <a:extLst>
-              <a:ext uri="{FF2B5EF4-FFF2-40B4-BE49-F238E27FC236}">
-                <a16:creationId xmlns:a16="http://schemas.microsoft.com/office/drawing/2014/main" id="{E409718C-E156-5626-1105-2F5274C4FEFE}"/>
-              </a:ext>
-            </a:extLst>
-          </p:cNvPr>
-          <p:cNvPicPr>
-            <a:picLocks noChangeAspect="1"/>
-          </p:cNvPicPr>
-          <p:nvPr/>
-        </p:nvPicPr>
-        <p:blipFill>
-          <a:blip r:embed="rId3"/>
-          <a:stretch>
-            <a:fillRect/>
-          </a:stretch>
-        </p:blipFill>
-        <p:spPr>
-          <a:xfrm>
-            <a:off x="6621807" y="1970803"/>
-            <a:ext cx="5049615" cy="3450367"/>
-          </a:xfrm>
-          <a:prstGeom prst="rect">
-            <a:avLst/>
-          </a:prstGeom>
-          <a:ln>
-            <a:solidFill>
-              <a:schemeClr val="tx1"/>
-            </a:solidFill>
-          </a:ln>
-        </p:spPr>
-      </p:pic>
-    </p:spTree>
-    <p:extLst>
-      <p:ext uri="{BB962C8B-B14F-4D97-AF65-F5344CB8AC3E}">
-        <p14:creationId xmlns:p14="http://schemas.microsoft.com/office/powerpoint/2010/main" val="3794721160"/>
       </p:ext>
     </p:extLst>
   </p:cSld>
@@ -6076,6 +6754,472 @@
           <a:chExt cx="0" cy="0"/>
         </a:xfrm>
       </p:grpSpPr>
+      <p:sp>
+        <p:nvSpPr>
+          <p:cNvPr id="4" name="テキスト ボックス 3">
+            <a:extLst>
+              <a:ext uri="{FF2B5EF4-FFF2-40B4-BE49-F238E27FC236}">
+                <a16:creationId xmlns:a16="http://schemas.microsoft.com/office/drawing/2014/main" id="{1E1D2779-D653-03C4-4523-2D98C24A92BE}"/>
+              </a:ext>
+            </a:extLst>
+          </p:cNvPr>
+          <p:cNvSpPr txBox="1"/>
+          <p:nvPr/>
+        </p:nvSpPr>
+        <p:spPr>
+          <a:xfrm>
+            <a:off x="4654497" y="558800"/>
+            <a:ext cx="3095719" cy="584775"/>
+          </a:xfrm>
+          <a:prstGeom prst="rect">
+            <a:avLst/>
+          </a:prstGeom>
+          <a:noFill/>
+        </p:spPr>
+        <p:txBody>
+          <a:bodyPr wrap="none" rtlCol="0">
+            <a:spAutoFit/>
+          </a:bodyPr>
+          <a:lstStyle/>
+          <a:p>
+            <a:r>
+              <a:rPr kumimoji="1" lang="ja-JP" altLang="en-US" sz="3200">
+                <a:solidFill>
+                  <a:schemeClr val="accent5">
+                    <a:lumMod val="50000"/>
+                  </a:schemeClr>
+                </a:solidFill>
+                <a:latin typeface="HGPSoeiKakugothicUB" panose="020B0900000000000000" pitchFamily="34" charset="-128"/>
+                <a:ea typeface="HGPSoeiKakugothicUB" panose="020B0900000000000000" pitchFamily="34" charset="-128"/>
+              </a:rPr>
+              <a:t>いつも通りを知る</a:t>
+            </a:r>
+          </a:p>
+        </p:txBody>
+      </p:sp>
+      <p:sp>
+        <p:nvSpPr>
+          <p:cNvPr id="5" name="テキスト ボックス 4">
+            <a:extLst>
+              <a:ext uri="{FF2B5EF4-FFF2-40B4-BE49-F238E27FC236}">
+                <a16:creationId xmlns:a16="http://schemas.microsoft.com/office/drawing/2014/main" id="{060159BE-A5B2-B35D-D703-314E189EF5F5}"/>
+              </a:ext>
+            </a:extLst>
+          </p:cNvPr>
+          <p:cNvSpPr txBox="1"/>
+          <p:nvPr/>
+        </p:nvSpPr>
+        <p:spPr>
+          <a:xfrm>
+            <a:off x="4495799" y="1981200"/>
+            <a:ext cx="3413114" cy="584775"/>
+          </a:xfrm>
+          <a:prstGeom prst="rect">
+            <a:avLst/>
+          </a:prstGeom>
+          <a:noFill/>
+        </p:spPr>
+        <p:txBody>
+          <a:bodyPr wrap="none" rtlCol="0">
+            <a:spAutoFit/>
+          </a:bodyPr>
+          <a:lstStyle/>
+          <a:p>
+            <a:r>
+              <a:rPr lang="ja-JP" altLang="en-US" sz="3200">
+                <a:solidFill>
+                  <a:schemeClr val="accent5">
+                    <a:lumMod val="50000"/>
+                  </a:schemeClr>
+                </a:solidFill>
+                <a:latin typeface="HGPSoeiKakugothicUB" panose="020B0900000000000000" pitchFamily="34" charset="-128"/>
+                <a:ea typeface="HGPSoeiKakugothicUB" panose="020B0900000000000000" pitchFamily="34" charset="-128"/>
+              </a:rPr>
+              <a:t>どれくらい珍しい？</a:t>
+            </a:r>
+            <a:endParaRPr kumimoji="1" lang="ja-JP" altLang="en-US" sz="3200">
+              <a:solidFill>
+                <a:schemeClr val="accent5">
+                  <a:lumMod val="50000"/>
+                </a:schemeClr>
+              </a:solidFill>
+              <a:latin typeface="HGPSoeiKakugothicUB" panose="020B0900000000000000" pitchFamily="34" charset="-128"/>
+              <a:ea typeface="HGPSoeiKakugothicUB" panose="020B0900000000000000" pitchFamily="34" charset="-128"/>
+            </a:endParaRPr>
+          </a:p>
+        </p:txBody>
+      </p:sp>
+      <p:sp>
+        <p:nvSpPr>
+          <p:cNvPr id="6" name="テキスト ボックス 5">
+            <a:extLst>
+              <a:ext uri="{FF2B5EF4-FFF2-40B4-BE49-F238E27FC236}">
+                <a16:creationId xmlns:a16="http://schemas.microsoft.com/office/drawing/2014/main" id="{3D22533F-EA22-11FA-887C-3607C2EBFF12}"/>
+              </a:ext>
+            </a:extLst>
+          </p:cNvPr>
+          <p:cNvSpPr txBox="1"/>
+          <p:nvPr/>
+        </p:nvSpPr>
+        <p:spPr>
+          <a:xfrm>
+            <a:off x="5347795" y="3403600"/>
+            <a:ext cx="1709122" cy="584775"/>
+          </a:xfrm>
+          <a:prstGeom prst="rect">
+            <a:avLst/>
+          </a:prstGeom>
+          <a:noFill/>
+        </p:spPr>
+        <p:txBody>
+          <a:bodyPr wrap="none" rtlCol="0">
+            <a:spAutoFit/>
+          </a:bodyPr>
+          <a:lstStyle/>
+          <a:p>
+            <a:r>
+              <a:rPr kumimoji="1" lang="ja-JP" altLang="en-US" sz="3200">
+                <a:solidFill>
+                  <a:schemeClr val="accent5">
+                    <a:lumMod val="50000"/>
+                  </a:schemeClr>
+                </a:solidFill>
+                <a:latin typeface="HGPSoeiKakugothicUB" panose="020B0900000000000000" pitchFamily="34" charset="-128"/>
+                <a:ea typeface="HGPSoeiKakugothicUB" panose="020B0900000000000000" pitchFamily="34" charset="-128"/>
+              </a:rPr>
+              <a:t>判断する</a:t>
+            </a:r>
+          </a:p>
+        </p:txBody>
+      </p:sp>
+      <p:sp>
+        <p:nvSpPr>
+          <p:cNvPr id="7" name="テキスト ボックス 6">
+            <a:extLst>
+              <a:ext uri="{FF2B5EF4-FFF2-40B4-BE49-F238E27FC236}">
+                <a16:creationId xmlns:a16="http://schemas.microsoft.com/office/drawing/2014/main" id="{C764490B-01B2-E9E0-22CB-BA2F0645E9E2}"/>
+              </a:ext>
+            </a:extLst>
+          </p:cNvPr>
+          <p:cNvSpPr txBox="1"/>
+          <p:nvPr/>
+        </p:nvSpPr>
+        <p:spPr>
+          <a:xfrm>
+            <a:off x="5173068" y="1104155"/>
+            <a:ext cx="2058577" cy="369332"/>
+          </a:xfrm>
+          <a:prstGeom prst="rect">
+            <a:avLst/>
+          </a:prstGeom>
+          <a:noFill/>
+        </p:spPr>
+        <p:txBody>
+          <a:bodyPr wrap="none" rtlCol="0">
+            <a:spAutoFit/>
+          </a:bodyPr>
+          <a:lstStyle/>
+          <a:p>
+            <a:r>
+              <a:rPr lang="en-US" altLang="ja-JP" dirty="0">
+                <a:solidFill>
+                  <a:srgbClr val="C00000"/>
+                </a:solidFill>
+                <a:latin typeface="Hiragino Kaku Gothic Std W8" panose="020B0800000000000000" pitchFamily="34" charset="-128"/>
+                <a:ea typeface="Hiragino Kaku Gothic Std W8" panose="020B0800000000000000" pitchFamily="34" charset="-128"/>
+              </a:rPr>
+              <a:t>[</a:t>
+            </a:r>
+            <a:r>
+              <a:rPr lang="ja-JP" altLang="en-US">
+                <a:solidFill>
+                  <a:srgbClr val="C00000"/>
+                </a:solidFill>
+                <a:latin typeface="Hiragino Kaku Gothic Std W8" panose="020B0800000000000000" pitchFamily="34" charset="-128"/>
+                <a:ea typeface="Hiragino Kaku Gothic Std W8" panose="020B0800000000000000" pitchFamily="34" charset="-128"/>
+              </a:rPr>
+              <a:t>平均・ばらつき</a:t>
+            </a:r>
+            <a:r>
+              <a:rPr lang="en-US" altLang="ja-JP" dirty="0">
+                <a:solidFill>
+                  <a:srgbClr val="C00000"/>
+                </a:solidFill>
+                <a:latin typeface="Hiragino Kaku Gothic Std W8" panose="020B0800000000000000" pitchFamily="34" charset="-128"/>
+                <a:ea typeface="Hiragino Kaku Gothic Std W8" panose="020B0800000000000000" pitchFamily="34" charset="-128"/>
+              </a:rPr>
+              <a:t>]</a:t>
+            </a:r>
+            <a:endParaRPr kumimoji="1" lang="ja-JP" altLang="en-US">
+              <a:solidFill>
+                <a:srgbClr val="C00000"/>
+              </a:solidFill>
+              <a:latin typeface="Hiragino Kaku Gothic Std W8" panose="020B0800000000000000" pitchFamily="34" charset="-128"/>
+              <a:ea typeface="Hiragino Kaku Gothic Std W8" panose="020B0800000000000000" pitchFamily="34" charset="-128"/>
+            </a:endParaRPr>
+          </a:p>
+        </p:txBody>
+      </p:sp>
+      <p:sp>
+        <p:nvSpPr>
+          <p:cNvPr id="8" name="テキスト ボックス 7">
+            <a:extLst>
+              <a:ext uri="{FF2B5EF4-FFF2-40B4-BE49-F238E27FC236}">
+                <a16:creationId xmlns:a16="http://schemas.microsoft.com/office/drawing/2014/main" id="{F8463835-97FC-8554-AD36-80FE11330797}"/>
+              </a:ext>
+            </a:extLst>
+          </p:cNvPr>
+          <p:cNvSpPr txBox="1"/>
+          <p:nvPr/>
+        </p:nvSpPr>
+        <p:spPr>
+          <a:xfrm>
+            <a:off x="5055247" y="2528907"/>
+            <a:ext cx="2294218" cy="369332"/>
+          </a:xfrm>
+          <a:prstGeom prst="rect">
+            <a:avLst/>
+          </a:prstGeom>
+          <a:noFill/>
+        </p:spPr>
+        <p:txBody>
+          <a:bodyPr wrap="none" rtlCol="0">
+            <a:spAutoFit/>
+          </a:bodyPr>
+          <a:lstStyle/>
+          <a:p>
+            <a:r>
+              <a:rPr lang="en-US" altLang="ja-JP" dirty="0">
+                <a:solidFill>
+                  <a:srgbClr val="C00000"/>
+                </a:solidFill>
+                <a:latin typeface="Hiragino Kaku Gothic Std W8" panose="020B0800000000000000" pitchFamily="34" charset="-128"/>
+                <a:ea typeface="Hiragino Kaku Gothic Std W8" panose="020B0800000000000000" pitchFamily="34" charset="-128"/>
+              </a:rPr>
+              <a:t>[</a:t>
+            </a:r>
+            <a:r>
+              <a:rPr lang="ja-JP" altLang="en-US">
+                <a:solidFill>
+                  <a:srgbClr val="C00000"/>
+                </a:solidFill>
+                <a:latin typeface="Hiragino Kaku Gothic Std W8" panose="020B0800000000000000" pitchFamily="34" charset="-128"/>
+                <a:ea typeface="Hiragino Kaku Gothic Std W8" panose="020B0800000000000000" pitchFamily="34" charset="-128"/>
+              </a:rPr>
+              <a:t>平均との差を見る</a:t>
+            </a:r>
+            <a:r>
+              <a:rPr lang="en-US" altLang="ja-JP" dirty="0">
+                <a:solidFill>
+                  <a:srgbClr val="C00000"/>
+                </a:solidFill>
+                <a:latin typeface="Hiragino Kaku Gothic Std W8" panose="020B0800000000000000" pitchFamily="34" charset="-128"/>
+                <a:ea typeface="Hiragino Kaku Gothic Std W8" panose="020B0800000000000000" pitchFamily="34" charset="-128"/>
+              </a:rPr>
+              <a:t>]</a:t>
+            </a:r>
+            <a:endParaRPr kumimoji="1" lang="ja-JP" altLang="en-US">
+              <a:solidFill>
+                <a:srgbClr val="C00000"/>
+              </a:solidFill>
+              <a:latin typeface="Hiragino Kaku Gothic Std W8" panose="020B0800000000000000" pitchFamily="34" charset="-128"/>
+              <a:ea typeface="Hiragino Kaku Gothic Std W8" panose="020B0800000000000000" pitchFamily="34" charset="-128"/>
+            </a:endParaRPr>
+          </a:p>
+        </p:txBody>
+      </p:sp>
+      <p:sp>
+        <p:nvSpPr>
+          <p:cNvPr id="9" name="下矢印 8">
+            <a:extLst>
+              <a:ext uri="{FF2B5EF4-FFF2-40B4-BE49-F238E27FC236}">
+                <a16:creationId xmlns:a16="http://schemas.microsoft.com/office/drawing/2014/main" id="{B80F0CF9-5564-C8E3-3785-B19900F70502}"/>
+              </a:ext>
+            </a:extLst>
+          </p:cNvPr>
+          <p:cNvSpPr/>
+          <p:nvPr/>
+        </p:nvSpPr>
+        <p:spPr>
+          <a:xfrm>
+            <a:off x="5903906" y="1633701"/>
+            <a:ext cx="596900" cy="431800"/>
+          </a:xfrm>
+          <a:prstGeom prst="downArrow">
+            <a:avLst/>
+          </a:prstGeom>
+        </p:spPr>
+        <p:style>
+          <a:lnRef idx="2">
+            <a:schemeClr val="accent1">
+              <a:shade val="15000"/>
+            </a:schemeClr>
+          </a:lnRef>
+          <a:fillRef idx="1">
+            <a:schemeClr val="accent1"/>
+          </a:fillRef>
+          <a:effectRef idx="0">
+            <a:schemeClr val="accent1"/>
+          </a:effectRef>
+          <a:fontRef idx="minor">
+            <a:schemeClr val="lt1"/>
+          </a:fontRef>
+        </p:style>
+        <p:txBody>
+          <a:bodyPr rtlCol="0" anchor="ctr"/>
+          <a:lstStyle/>
+          <a:p>
+            <a:pPr algn="ctr"/>
+            <a:endParaRPr kumimoji="1" lang="ja-JP" altLang="en-US"/>
+          </a:p>
+        </p:txBody>
+      </p:sp>
+      <p:sp>
+        <p:nvSpPr>
+          <p:cNvPr id="10" name="下矢印 9">
+            <a:extLst>
+              <a:ext uri="{FF2B5EF4-FFF2-40B4-BE49-F238E27FC236}">
+                <a16:creationId xmlns:a16="http://schemas.microsoft.com/office/drawing/2014/main" id="{D48ECB3B-18CB-EE04-CBE1-183B3F1C36ED}"/>
+              </a:ext>
+            </a:extLst>
+          </p:cNvPr>
+          <p:cNvSpPr/>
+          <p:nvPr/>
+        </p:nvSpPr>
+        <p:spPr>
+          <a:xfrm>
+            <a:off x="5903906" y="3003237"/>
+            <a:ext cx="596900" cy="431800"/>
+          </a:xfrm>
+          <a:prstGeom prst="downArrow">
+            <a:avLst/>
+          </a:prstGeom>
+        </p:spPr>
+        <p:style>
+          <a:lnRef idx="2">
+            <a:schemeClr val="accent1">
+              <a:shade val="15000"/>
+            </a:schemeClr>
+          </a:lnRef>
+          <a:fillRef idx="1">
+            <a:schemeClr val="accent1"/>
+          </a:fillRef>
+          <a:effectRef idx="0">
+            <a:schemeClr val="accent1"/>
+          </a:effectRef>
+          <a:fontRef idx="minor">
+            <a:schemeClr val="lt1"/>
+          </a:fontRef>
+        </p:style>
+        <p:txBody>
+          <a:bodyPr rtlCol="0" anchor="ctr"/>
+          <a:lstStyle/>
+          <a:p>
+            <a:pPr algn="ctr"/>
+            <a:endParaRPr kumimoji="1" lang="ja-JP" altLang="en-US"/>
+          </a:p>
+        </p:txBody>
+      </p:sp>
+      <p:pic>
+        <p:nvPicPr>
+          <p:cNvPr id="12" name="図 11">
+            <a:extLst>
+              <a:ext uri="{FF2B5EF4-FFF2-40B4-BE49-F238E27FC236}">
+                <a16:creationId xmlns:a16="http://schemas.microsoft.com/office/drawing/2014/main" id="{EE4C5F22-AF85-D806-A5C1-53F6CD01D762}"/>
+              </a:ext>
+            </a:extLst>
+          </p:cNvPr>
+          <p:cNvPicPr>
+            <a:picLocks noChangeAspect="1"/>
+          </p:cNvPicPr>
+          <p:nvPr/>
+        </p:nvPicPr>
+        <p:blipFill>
+          <a:blip r:embed="rId2"/>
+          <a:stretch>
+            <a:fillRect/>
+          </a:stretch>
+        </p:blipFill>
+        <p:spPr>
+          <a:xfrm>
+            <a:off x="733290" y="2065501"/>
+            <a:ext cx="5565910" cy="3158798"/>
+          </a:xfrm>
+          <a:prstGeom prst="rect">
+            <a:avLst/>
+          </a:prstGeom>
+          <a:ln>
+            <a:solidFill>
+              <a:schemeClr val="tx1"/>
+            </a:solidFill>
+          </a:ln>
+        </p:spPr>
+      </p:pic>
+      <p:pic>
+        <p:nvPicPr>
+          <p:cNvPr id="14" name="図 13">
+            <a:extLst>
+              <a:ext uri="{FF2B5EF4-FFF2-40B4-BE49-F238E27FC236}">
+                <a16:creationId xmlns:a16="http://schemas.microsoft.com/office/drawing/2014/main" id="{E409718C-E156-5626-1105-2F5274C4FEFE}"/>
+              </a:ext>
+            </a:extLst>
+          </p:cNvPr>
+          <p:cNvPicPr>
+            <a:picLocks noChangeAspect="1"/>
+          </p:cNvPicPr>
+          <p:nvPr/>
+        </p:nvPicPr>
+        <p:blipFill>
+          <a:blip r:embed="rId3"/>
+          <a:stretch>
+            <a:fillRect/>
+          </a:stretch>
+        </p:blipFill>
+        <p:spPr>
+          <a:xfrm>
+            <a:off x="6621807" y="1970803"/>
+            <a:ext cx="5049615" cy="3450367"/>
+          </a:xfrm>
+          <a:prstGeom prst="rect">
+            <a:avLst/>
+          </a:prstGeom>
+          <a:ln>
+            <a:solidFill>
+              <a:schemeClr val="tx1"/>
+            </a:solidFill>
+          </a:ln>
+        </p:spPr>
+      </p:pic>
+    </p:spTree>
+    <p:extLst>
+      <p:ext uri="{BB962C8B-B14F-4D97-AF65-F5344CB8AC3E}">
+        <p14:creationId xmlns:p14="http://schemas.microsoft.com/office/powerpoint/2010/main" val="3794721160"/>
+      </p:ext>
+    </p:extLst>
+  </p:cSld>
+  <p:clrMapOvr>
+    <a:masterClrMapping/>
+  </p:clrMapOvr>
+</p:sld>
+</file>
+
+<file path=ppt/slides/slide6.xml><?xml version="1.0" encoding="utf-8"?>
+<p:sld xmlns:a="http://schemas.openxmlformats.org/drawingml/2006/main" xmlns:r="http://schemas.openxmlformats.org/officeDocument/2006/relationships" xmlns:p="http://schemas.openxmlformats.org/presentationml/2006/main">
+  <p:cSld>
+    <p:spTree>
+      <p:nvGrpSpPr>
+        <p:cNvPr id="1" name=""/>
+        <p:cNvGrpSpPr/>
+        <p:nvPr/>
+      </p:nvGrpSpPr>
+      <p:grpSpPr>
+        <a:xfrm>
+          <a:off x="0" y="0"/>
+          <a:ext cx="0" cy="0"/>
+          <a:chOff x="0" y="0"/>
+          <a:chExt cx="0" cy="0"/>
+        </a:xfrm>
+      </p:grpSpPr>
       <p:pic>
         <p:nvPicPr>
           <p:cNvPr id="6" name="図 5">
@@ -6119,7 +7263,7 @@
 </p:sld>
 </file>
 
-<file path=ppt/slides/slide6.xml><?xml version="1.0" encoding="utf-8"?>
+<file path=ppt/slides/slide7.xml><?xml version="1.0" encoding="utf-8"?>
 <p:sld xmlns:a="http://schemas.openxmlformats.org/drawingml/2006/main" xmlns:r="http://schemas.openxmlformats.org/officeDocument/2006/relationships" xmlns:p="http://schemas.openxmlformats.org/presentationml/2006/main">
   <p:cSld>
     <p:spTree>
@@ -6518,7 +7662,7 @@
 </p:sld>
 </file>
 
-<file path=ppt/slides/slide7.xml><?xml version="1.0" encoding="utf-8"?>
+<file path=ppt/slides/slide8.xml><?xml version="1.0" encoding="utf-8"?>
 <p:sld xmlns:a="http://schemas.openxmlformats.org/drawingml/2006/main" xmlns:r="http://schemas.openxmlformats.org/officeDocument/2006/relationships" xmlns:p="http://schemas.openxmlformats.org/presentationml/2006/main">
   <p:cSld>
     <p:spTree>
@@ -6850,7 +7994,7 @@
 </p:sld>
 </file>
 
-<file path=ppt/slides/slide8.xml><?xml version="1.0" encoding="utf-8"?>
+<file path=ppt/slides/slide9.xml><?xml version="1.0" encoding="utf-8"?>
 <p:sld xmlns:a="http://schemas.openxmlformats.org/drawingml/2006/main" xmlns:r="http://schemas.openxmlformats.org/officeDocument/2006/relationships" xmlns:p="http://schemas.openxmlformats.org/presentationml/2006/main">
   <p:cSld>
     <p:spTree>
@@ -7483,390 +8627,6 @@
     <p:extLst>
       <p:ext uri="{BB962C8B-B14F-4D97-AF65-F5344CB8AC3E}">
         <p14:creationId xmlns:p14="http://schemas.microsoft.com/office/powerpoint/2010/main" val="2655676057"/>
-      </p:ext>
-    </p:extLst>
-  </p:cSld>
-  <p:clrMapOvr>
-    <a:masterClrMapping/>
-  </p:clrMapOvr>
-</p:sld>
-</file>
-
-<file path=ppt/slides/slide9.xml><?xml version="1.0" encoding="utf-8"?>
-<p:sld xmlns:a="http://schemas.openxmlformats.org/drawingml/2006/main" xmlns:r="http://schemas.openxmlformats.org/officeDocument/2006/relationships" xmlns:p="http://schemas.openxmlformats.org/presentationml/2006/main">
-  <p:cSld>
-    <p:spTree>
-      <p:nvGrpSpPr>
-        <p:cNvPr id="1" name="">
-          <a:extLst>
-            <a:ext uri="{FF2B5EF4-FFF2-40B4-BE49-F238E27FC236}">
-              <a16:creationId xmlns:a16="http://schemas.microsoft.com/office/drawing/2014/main" id="{795C3D5A-9BB9-EE9F-BE19-EBB4E6B2F78C}"/>
-            </a:ext>
-          </a:extLst>
-        </p:cNvPr>
-        <p:cNvGrpSpPr/>
-        <p:nvPr/>
-      </p:nvGrpSpPr>
-      <p:grpSpPr>
-        <a:xfrm>
-          <a:off x="0" y="0"/>
-          <a:ext cx="0" cy="0"/>
-          <a:chOff x="0" y="0"/>
-          <a:chExt cx="0" cy="0"/>
-        </a:xfrm>
-      </p:grpSpPr>
-      <p:pic>
-        <p:nvPicPr>
-          <p:cNvPr id="11" name="図 10">
-            <a:extLst>
-              <a:ext uri="{FF2B5EF4-FFF2-40B4-BE49-F238E27FC236}">
-                <a16:creationId xmlns:a16="http://schemas.microsoft.com/office/drawing/2014/main" id="{4B97C5AB-733A-95E8-4E2B-482669D78797}"/>
-              </a:ext>
-            </a:extLst>
-          </p:cNvPr>
-          <p:cNvPicPr>
-            <a:picLocks noChangeAspect="1"/>
-          </p:cNvPicPr>
-          <p:nvPr/>
-        </p:nvPicPr>
-        <p:blipFill>
-          <a:blip r:embed="rId2"/>
-          <a:stretch>
-            <a:fillRect/>
-          </a:stretch>
-        </p:blipFill>
-        <p:spPr>
-          <a:xfrm>
-            <a:off x="315468" y="793571"/>
-            <a:ext cx="11071780" cy="1149529"/>
-          </a:xfrm>
-          <a:prstGeom prst="rect">
-            <a:avLst/>
-          </a:prstGeom>
-        </p:spPr>
-      </p:pic>
-      <p:sp>
-        <p:nvSpPr>
-          <p:cNvPr id="2" name="正方形/長方形 1">
-            <a:extLst>
-              <a:ext uri="{FF2B5EF4-FFF2-40B4-BE49-F238E27FC236}">
-                <a16:creationId xmlns:a16="http://schemas.microsoft.com/office/drawing/2014/main" id="{8C21BF23-2FD6-9033-CDC7-A1A0B3B6AD25}"/>
-              </a:ext>
-            </a:extLst>
-          </p:cNvPr>
-          <p:cNvSpPr/>
-          <p:nvPr/>
-        </p:nvSpPr>
-        <p:spPr>
-          <a:xfrm>
-            <a:off x="5943600" y="806271"/>
-            <a:ext cx="5156200" cy="387529"/>
-          </a:xfrm>
-          <a:prstGeom prst="rect">
-            <a:avLst/>
-          </a:prstGeom>
-          <a:solidFill>
-            <a:schemeClr val="bg1"/>
-          </a:solidFill>
-          <a:ln>
-            <a:solidFill>
-              <a:schemeClr val="bg1"/>
-            </a:solidFill>
-          </a:ln>
-        </p:spPr>
-        <p:style>
-          <a:lnRef idx="2">
-            <a:schemeClr val="accent1">
-              <a:shade val="15000"/>
-            </a:schemeClr>
-          </a:lnRef>
-          <a:fillRef idx="1">
-            <a:schemeClr val="accent1"/>
-          </a:fillRef>
-          <a:effectRef idx="0">
-            <a:schemeClr val="accent1"/>
-          </a:effectRef>
-          <a:fontRef idx="minor">
-            <a:schemeClr val="lt1"/>
-          </a:fontRef>
-        </p:style>
-        <p:txBody>
-          <a:bodyPr rtlCol="0" anchor="ctr"/>
-          <a:lstStyle/>
-          <a:p>
-            <a:pPr algn="ctr"/>
-            <a:endParaRPr kumimoji="1" lang="ja-JP" altLang="en-US"/>
-          </a:p>
-        </p:txBody>
-      </p:sp>
-      <p:sp>
-        <p:nvSpPr>
-          <p:cNvPr id="3" name="テキスト ボックス 2">
-            <a:extLst>
-              <a:ext uri="{FF2B5EF4-FFF2-40B4-BE49-F238E27FC236}">
-                <a16:creationId xmlns:a16="http://schemas.microsoft.com/office/drawing/2014/main" id="{377F2F6A-EB03-ED06-EB77-CD34573885C1}"/>
-              </a:ext>
-            </a:extLst>
-          </p:cNvPr>
-          <p:cNvSpPr txBox="1"/>
-          <p:nvPr/>
-        </p:nvSpPr>
-        <p:spPr>
-          <a:xfrm>
-            <a:off x="1308100" y="2463800"/>
-            <a:ext cx="7656263" cy="1785104"/>
-          </a:xfrm>
-          <a:prstGeom prst="rect">
-            <a:avLst/>
-          </a:prstGeom>
-          <a:noFill/>
-        </p:spPr>
-        <p:txBody>
-          <a:bodyPr wrap="none" rtlCol="0">
-            <a:spAutoFit/>
-          </a:bodyPr>
-          <a:lstStyle/>
-          <a:p>
-            <a:r>
-              <a:rPr lang="en-US" altLang="ja-JP" b="1" dirty="0">
-                <a:solidFill>
-                  <a:srgbClr val="0070C0"/>
-                </a:solidFill>
-              </a:rPr>
-              <a:t>Excel</a:t>
-            </a:r>
-            <a:r>
-              <a:rPr lang="ja-JP" altLang="en-US" b="1">
-                <a:solidFill>
-                  <a:srgbClr val="0070C0"/>
-                </a:solidFill>
-              </a:rPr>
-              <a:t>の次の値をセルに入れましょう</a:t>
-            </a:r>
-            <a:endParaRPr lang="en-US" altLang="ja-JP" b="1" dirty="0">
-              <a:solidFill>
-                <a:srgbClr val="0070C0"/>
-              </a:solidFill>
-            </a:endParaRPr>
-          </a:p>
-          <a:p>
-            <a:pPr>
-              <a:tabLst>
-                <a:tab pos="1816100" algn="l"/>
-              </a:tabLst>
-            </a:pPr>
-            <a:r>
-              <a:rPr lang="ja-JP" altLang="en-US" b="1"/>
-              <a:t>・</a:t>
-            </a:r>
-            <a:r>
-              <a:rPr lang="en" altLang="ja-JP" dirty="0"/>
-              <a:t>【</a:t>
-            </a:r>
-            <a:r>
-              <a:rPr lang="en" altLang="ja-JP" b="1" dirty="0"/>
-              <a:t>p</a:t>
-            </a:r>
-            <a:r>
-              <a:rPr lang="ja-JP" altLang="en-US" b="1"/>
-              <a:t>値</a:t>
-            </a:r>
-            <a:r>
-              <a:rPr lang="en-US" altLang="ja-JP" b="1" dirty="0"/>
-              <a:t>(</a:t>
-            </a:r>
-            <a:r>
-              <a:rPr lang="ja-JP" altLang="en-US" b="1"/>
-              <a:t>両側</a:t>
-            </a:r>
-            <a:r>
-              <a:rPr lang="en-US" altLang="ja-JP" b="1" dirty="0"/>
-              <a:t>)</a:t>
-            </a:r>
-            <a:r>
-              <a:rPr lang="en-US" altLang="ja-JP" dirty="0"/>
-              <a:t>】	</a:t>
-            </a:r>
-            <a:r>
-              <a:rPr lang="en-US" altLang="ja-JP" b="1" dirty="0"/>
-              <a:t>0.0084</a:t>
-            </a:r>
-            <a:endParaRPr lang="ja-JP" altLang="en-US" b="1"/>
-          </a:p>
-          <a:p>
-            <a:endParaRPr lang="en-US" altLang="ja-JP" dirty="0"/>
-          </a:p>
-          <a:p>
-            <a:r>
-              <a:rPr lang="ja-JP" altLang="en-US"/>
-              <a:t>この </a:t>
-            </a:r>
-            <a:r>
-              <a:rPr lang="en" altLang="ja-JP" dirty="0"/>
-              <a:t>p</a:t>
-            </a:r>
-            <a:r>
-              <a:rPr lang="ja-JP" altLang="en-US"/>
-              <a:t>値は、「</a:t>
-            </a:r>
-            <a:r>
-              <a:rPr lang="en-US" altLang="ja-JP" dirty="0"/>
-              <a:t>135</a:t>
-            </a:r>
-            <a:r>
-              <a:rPr lang="en" altLang="ja-JP" dirty="0"/>
-              <a:t>g </a:t>
-            </a:r>
-            <a:r>
-              <a:rPr lang="ja-JP" altLang="en-US"/>
-              <a:t>だと仮定したとき、これくらいズレる確率」です。</a:t>
-            </a:r>
-            <a:endParaRPr lang="en-US" altLang="ja-JP" dirty="0"/>
-          </a:p>
-          <a:p>
-            <a:endParaRPr kumimoji="1" lang="en-US" altLang="ja-JP" dirty="0"/>
-          </a:p>
-          <a:p>
-            <a:r>
-              <a:rPr lang="en-US" altLang="ja-JP" sz="2000" b="1" dirty="0"/>
-              <a:t>0.8% </a:t>
-            </a:r>
-            <a:r>
-              <a:rPr lang="ja-JP" altLang="en-US"/>
-              <a:t>って、</a:t>
-            </a:r>
-            <a:r>
-              <a:rPr lang="ja-JP" altLang="en-US" b="1">
-                <a:solidFill>
-                  <a:srgbClr val="C00000"/>
-                </a:solidFill>
-              </a:rPr>
-              <a:t>多い</a:t>
-            </a:r>
-            <a:r>
-              <a:rPr lang="ja-JP" altLang="en-US"/>
-              <a:t>？</a:t>
-            </a:r>
-            <a:r>
-              <a:rPr lang="ja-JP" altLang="en-US" b="1">
-                <a:solidFill>
-                  <a:srgbClr val="C00000"/>
-                </a:solidFill>
-              </a:rPr>
-              <a:t>少ない</a:t>
-            </a:r>
-            <a:r>
-              <a:rPr lang="ja-JP" altLang="en-US"/>
-              <a:t>？</a:t>
-            </a:r>
-            <a:endParaRPr kumimoji="1" lang="ja-JP" altLang="en-US"/>
-          </a:p>
-        </p:txBody>
-      </p:sp>
-      <p:sp>
-        <p:nvSpPr>
-          <p:cNvPr id="4" name="テキスト ボックス 3">
-            <a:extLst>
-              <a:ext uri="{FF2B5EF4-FFF2-40B4-BE49-F238E27FC236}">
-                <a16:creationId xmlns:a16="http://schemas.microsoft.com/office/drawing/2014/main" id="{299D278B-ADDD-FD37-15B8-7226C9B4E4DC}"/>
-              </a:ext>
-            </a:extLst>
-          </p:cNvPr>
-          <p:cNvSpPr txBox="1"/>
-          <p:nvPr/>
-        </p:nvSpPr>
-        <p:spPr>
-          <a:xfrm>
-            <a:off x="2336800" y="5041900"/>
-            <a:ext cx="4812536" cy="369332"/>
-          </a:xfrm>
-          <a:prstGeom prst="rect">
-            <a:avLst/>
-          </a:prstGeom>
-          <a:noFill/>
-        </p:spPr>
-        <p:txBody>
-          <a:bodyPr wrap="none" rtlCol="0">
-            <a:spAutoFit/>
-          </a:bodyPr>
-          <a:lstStyle/>
-          <a:p>
-            <a:r>
-              <a:rPr kumimoji="1" lang="en-US" altLang="ja-JP" dirty="0"/>
-              <a:t>p</a:t>
-            </a:r>
-            <a:r>
-              <a:rPr kumimoji="1" lang="ja-JP" altLang="en-US"/>
-              <a:t>値</a:t>
-            </a:r>
-            <a:r>
-              <a:rPr lang="en-US" altLang="ja-JP" dirty="0"/>
-              <a:t> = 2*(1-NORM.S.DIST(ABS(z</a:t>
-            </a:r>
-            <a:r>
-              <a:rPr lang="ja-JP" altLang="en-US"/>
-              <a:t>値</a:t>
-            </a:r>
-            <a:r>
-              <a:rPr lang="en-US" altLang="ja-JP" dirty="0"/>
-              <a:t>),TRUE))</a:t>
-            </a:r>
-            <a:endParaRPr kumimoji="1" lang="ja-JP" altLang="en-US"/>
-          </a:p>
-        </p:txBody>
-      </p:sp>
-      <p:sp>
-        <p:nvSpPr>
-          <p:cNvPr id="5" name="テキスト ボックス 4">
-            <a:extLst>
-              <a:ext uri="{FF2B5EF4-FFF2-40B4-BE49-F238E27FC236}">
-                <a16:creationId xmlns:a16="http://schemas.microsoft.com/office/drawing/2014/main" id="{6FBC6AA1-F7F8-CD27-F3D0-B3CC1C6CF965}"/>
-              </a:ext>
-            </a:extLst>
-          </p:cNvPr>
-          <p:cNvSpPr txBox="1"/>
-          <p:nvPr/>
-        </p:nvSpPr>
-        <p:spPr>
-          <a:xfrm>
-            <a:off x="315468" y="163889"/>
-            <a:ext cx="5638082" cy="461665"/>
-          </a:xfrm>
-          <a:prstGeom prst="rect">
-            <a:avLst/>
-          </a:prstGeom>
-          <a:noFill/>
-        </p:spPr>
-        <p:txBody>
-          <a:bodyPr wrap="none" rtlCol="0">
-            <a:spAutoFit/>
-          </a:bodyPr>
-          <a:lstStyle/>
-          <a:p>
-            <a:r>
-              <a:rPr lang="en-US" altLang="ja-JP" sz="2400" b="1" dirty="0"/>
-              <a:t>4.</a:t>
-            </a:r>
-            <a:r>
-              <a:rPr lang="ja-JP" altLang="en-US" sz="2400" b="1"/>
-              <a:t> </a:t>
-            </a:r>
-            <a:r>
-              <a:rPr lang="en" altLang="ja-JP" sz="2400" b="1" dirty="0"/>
-              <a:t>p</a:t>
-            </a:r>
-            <a:r>
-              <a:rPr lang="ja-JP" altLang="en-US" sz="2400" b="1"/>
-              <a:t>値を初めて出す（珍しさを確率に）</a:t>
-            </a:r>
-            <a:endParaRPr kumimoji="1" lang="ja-JP" altLang="en-US" sz="2400" b="1"/>
-          </a:p>
-        </p:txBody>
-      </p:sp>
-    </p:spTree>
-    <p:extLst>
-      <p:ext uri="{BB962C8B-B14F-4D97-AF65-F5344CB8AC3E}">
-        <p14:creationId xmlns:p14="http://schemas.microsoft.com/office/powerpoint/2010/main" val="2391344614"/>
       </p:ext>
     </p:extLst>
   </p:cSld>
